--- a/slides/ukraine day5_1.pptx
+++ b/slides/ukraine day5_1.pptx
@@ -6,7 +6,7 @@
     <p:sldMasterId id="2147483695" r:id="rId5"/>
   </p:sldMasterIdLst>
   <p:notesMasterIdLst>
-    <p:notesMasterId r:id="rId44"/>
+    <p:notesMasterId r:id="rId43"/>
   </p:notesMasterIdLst>
   <p:sldIdLst>
     <p:sldId id="720" r:id="rId6"/>
@@ -22,31 +22,30 @@
     <p:sldId id="590" r:id="rId16"/>
     <p:sldId id="595" r:id="rId17"/>
     <p:sldId id="623" r:id="rId18"/>
-    <p:sldId id="596" r:id="rId19"/>
-    <p:sldId id="597" r:id="rId20"/>
-    <p:sldId id="598" r:id="rId21"/>
-    <p:sldId id="599" r:id="rId22"/>
-    <p:sldId id="722" r:id="rId23"/>
-    <p:sldId id="627" r:id="rId24"/>
-    <p:sldId id="645" r:id="rId25"/>
-    <p:sldId id="629" r:id="rId26"/>
-    <p:sldId id="632" r:id="rId27"/>
-    <p:sldId id="601" r:id="rId28"/>
-    <p:sldId id="602" r:id="rId29"/>
-    <p:sldId id="620" r:id="rId30"/>
-    <p:sldId id="723" r:id="rId31"/>
-    <p:sldId id="683" r:id="rId32"/>
-    <p:sldId id="646" r:id="rId33"/>
-    <p:sldId id="631" r:id="rId34"/>
-    <p:sldId id="630" r:id="rId35"/>
-    <p:sldId id="593" r:id="rId36"/>
-    <p:sldId id="648" r:id="rId37"/>
-    <p:sldId id="649" r:id="rId38"/>
-    <p:sldId id="650" r:id="rId39"/>
-    <p:sldId id="651" r:id="rId40"/>
-    <p:sldId id="652" r:id="rId41"/>
-    <p:sldId id="725" r:id="rId42"/>
-    <p:sldId id="667" r:id="rId43"/>
+    <p:sldId id="597" r:id="rId19"/>
+    <p:sldId id="598" r:id="rId20"/>
+    <p:sldId id="599" r:id="rId21"/>
+    <p:sldId id="722" r:id="rId22"/>
+    <p:sldId id="627" r:id="rId23"/>
+    <p:sldId id="645" r:id="rId24"/>
+    <p:sldId id="629" r:id="rId25"/>
+    <p:sldId id="632" r:id="rId26"/>
+    <p:sldId id="601" r:id="rId27"/>
+    <p:sldId id="602" r:id="rId28"/>
+    <p:sldId id="620" r:id="rId29"/>
+    <p:sldId id="723" r:id="rId30"/>
+    <p:sldId id="683" r:id="rId31"/>
+    <p:sldId id="646" r:id="rId32"/>
+    <p:sldId id="631" r:id="rId33"/>
+    <p:sldId id="630" r:id="rId34"/>
+    <p:sldId id="593" r:id="rId35"/>
+    <p:sldId id="648" r:id="rId36"/>
+    <p:sldId id="649" r:id="rId37"/>
+    <p:sldId id="650" r:id="rId38"/>
+    <p:sldId id="651" r:id="rId39"/>
+    <p:sldId id="652" r:id="rId40"/>
+    <p:sldId id="725" r:id="rId41"/>
+    <p:sldId id="667" r:id="rId42"/>
   </p:sldIdLst>
   <p:sldSz cx="12192000" cy="6858000"/>
   <p:notesSz cx="6858000" cy="9144000"/>
@@ -659,7 +658,7 @@
           <a:p>
             <a:fld id="{AE8E331C-145B-416A-B61C-181CC1338073}" type="slidenum">
               <a:rPr lang="nb-NO" smtClean="0"/>
-              <a:t>17</a:t>
+              <a:t>16</a:t>
             </a:fld>
             <a:endParaRPr lang="nb-NO"/>
           </a:p>
@@ -12706,2276 +12705,6 @@
           </a:xfrm>
         </p:spPr>
         <p:txBody>
-          <a:bodyPr>
-            <a:normAutofit/>
-          </a:bodyPr>
-          <a:lstStyle/>
-          <a:p>
-            <a:r>
-              <a:rPr lang="en-US" dirty="0"/>
-              <a:t>Example with modified hierarchy  </a:t>
-            </a:r>
-          </a:p>
-        </p:txBody>
-      </p:sp>
-      <p:sp>
-        <p:nvSpPr>
-          <p:cNvPr id="3" name="Plassholder for innhold 2">
-            <a:extLst>
-              <a:ext uri="{FF2B5EF4-FFF2-40B4-BE49-F238E27FC236}">
-                <a16:creationId xmlns:a16="http://schemas.microsoft.com/office/drawing/2014/main" id="{2DB967CE-50FB-2BC5-8033-8702DCA2E9B3}"/>
-              </a:ext>
-            </a:extLst>
-          </p:cNvPr>
-          <p:cNvSpPr>
-            <a:spLocks noGrp="1"/>
-          </p:cNvSpPr>
-          <p:nvPr>
-            <p:ph sz="quarter" idx="11"/>
-          </p:nvPr>
-        </p:nvSpPr>
-        <p:spPr>
-          <a:xfrm>
-            <a:off x="530208" y="4344987"/>
-            <a:ext cx="5459895" cy="1949109"/>
-          </a:xfrm>
-        </p:spPr>
-        <p:txBody>
-          <a:bodyPr/>
-          <a:lstStyle/>
-          <a:p>
-            <a:pPr>
-              <a:lnSpc>
-                <a:spcPct val="100000"/>
-              </a:lnSpc>
-            </a:pPr>
-            <a:r>
-              <a:rPr lang="en-US" dirty="0"/>
-              <a:t>Norway and Asia are included</a:t>
-            </a:r>
-          </a:p>
-          <a:p>
-            <a:pPr lvl="1">
-              <a:lnSpc>
-                <a:spcPct val="100000"/>
-              </a:lnSpc>
-            </a:pPr>
-            <a:r>
-              <a:rPr lang="en-US" dirty="0"/>
-              <a:t>Primary suppressed </a:t>
-            </a:r>
-          </a:p>
-          <a:p>
-            <a:pPr lvl="1">
-              <a:lnSpc>
-                <a:spcPct val="100000"/>
-              </a:lnSpc>
-            </a:pPr>
-            <a:r>
-              <a:rPr lang="en-US" dirty="0"/>
-              <a:t>But can easily be revealed </a:t>
-            </a:r>
-          </a:p>
-        </p:txBody>
-      </p:sp>
-      <p:sp>
-        <p:nvSpPr>
-          <p:cNvPr id="5" name="TekstSylinder 4">
-            <a:extLst>
-              <a:ext uri="{FF2B5EF4-FFF2-40B4-BE49-F238E27FC236}">
-                <a16:creationId xmlns:a16="http://schemas.microsoft.com/office/drawing/2014/main" id="{E71C5BE5-AE7F-9289-349A-C8735692601F}"/>
-              </a:ext>
-            </a:extLst>
-          </p:cNvPr>
-          <p:cNvSpPr txBox="1"/>
-          <p:nvPr/>
-        </p:nvSpPr>
-        <p:spPr>
-          <a:xfrm>
-            <a:off x="530208" y="1538458"/>
-            <a:ext cx="5565792" cy="2462213"/>
-          </a:xfrm>
-          <a:prstGeom prst="rect">
-            <a:avLst/>
-          </a:prstGeom>
-          <a:noFill/>
-        </p:spPr>
-        <p:txBody>
-          <a:bodyPr wrap="square">
-            <a:spAutoFit/>
-          </a:bodyPr>
-          <a:lstStyle/>
-          <a:p>
-            <a:r>
-              <a:rPr lang="en-US" sz="1400" dirty="0" err="1">
-                <a:solidFill>
-                  <a:srgbClr val="0000FF"/>
-                </a:solidFill>
-                <a:latin typeface="Lucida Console" panose="020B0609040504020204" pitchFamily="49" charset="0"/>
-              </a:rPr>
-              <a:t>SuppressSmallCounts</a:t>
-            </a:r>
-            <a:r>
-              <a:rPr lang="en-US" sz="1400" dirty="0">
-                <a:solidFill>
-                  <a:srgbClr val="0000FF"/>
-                </a:solidFill>
-                <a:latin typeface="Lucida Console" panose="020B0609040504020204" pitchFamily="49" charset="0"/>
-              </a:rPr>
-              <a:t>(data = dataset_a5, </a:t>
-            </a:r>
-          </a:p>
-          <a:p>
-            <a:r>
-              <a:rPr lang="en-US" sz="1400" dirty="0">
-                <a:solidFill>
-                  <a:srgbClr val="0000FF"/>
-                </a:solidFill>
-                <a:latin typeface="Lucida Console" panose="020B0609040504020204" pitchFamily="49" charset="0"/>
-              </a:rPr>
-              <a:t>                    hierarchies  = </a:t>
-            </a:r>
-            <a:r>
-              <a:rPr lang="en-US" sz="1400" dirty="0" err="1">
-                <a:solidFill>
-                  <a:srgbClr val="0000FF"/>
-                </a:solidFill>
-                <a:latin typeface="Lucida Console" panose="020B0609040504020204" pitchFamily="49" charset="0"/>
-              </a:rPr>
-              <a:t>hib</a:t>
-            </a:r>
-            <a:r>
-              <a:rPr lang="en-US" sz="1400" dirty="0">
-                <a:solidFill>
-                  <a:srgbClr val="0000FF"/>
-                </a:solidFill>
-                <a:latin typeface="Lucida Console" panose="020B0609040504020204" pitchFamily="49" charset="0"/>
-              </a:rPr>
-              <a:t>, </a:t>
-            </a:r>
-          </a:p>
-          <a:p>
-            <a:r>
-              <a:rPr lang="en-US" sz="1400" dirty="0">
-                <a:solidFill>
-                  <a:srgbClr val="0000FF"/>
-                </a:solidFill>
-                <a:latin typeface="Lucida Console" panose="020B0609040504020204" pitchFamily="49" charset="0"/>
-              </a:rPr>
-              <a:t>                    </a:t>
-            </a:r>
-            <a:r>
-              <a:rPr lang="en-US" sz="1400" dirty="0" err="1">
-                <a:solidFill>
-                  <a:srgbClr val="0000FF"/>
-                </a:solidFill>
-                <a:latin typeface="Lucida Console" panose="020B0609040504020204" pitchFamily="49" charset="0"/>
-              </a:rPr>
-              <a:t>freqVar</a:t>
-            </a:r>
-            <a:r>
-              <a:rPr lang="en-US" sz="1400" dirty="0">
-                <a:solidFill>
-                  <a:srgbClr val="0000FF"/>
-                </a:solidFill>
-                <a:latin typeface="Lucida Console" panose="020B0609040504020204" pitchFamily="49" charset="0"/>
-              </a:rPr>
-              <a:t> = "</a:t>
-            </a:r>
-            <a:r>
-              <a:rPr lang="en-US" sz="1400" dirty="0" err="1">
-                <a:solidFill>
-                  <a:srgbClr val="0000FF"/>
-                </a:solidFill>
-                <a:latin typeface="Lucida Console" panose="020B0609040504020204" pitchFamily="49" charset="0"/>
-              </a:rPr>
-              <a:t>freq</a:t>
-            </a:r>
-            <a:r>
-              <a:rPr lang="en-US" sz="1400" dirty="0">
-                <a:solidFill>
-                  <a:srgbClr val="0000FF"/>
-                </a:solidFill>
-                <a:latin typeface="Lucida Console" panose="020B0609040504020204" pitchFamily="49" charset="0"/>
-              </a:rPr>
-              <a:t>", </a:t>
-            </a:r>
-            <a:r>
-              <a:rPr lang="en-US" sz="1400" dirty="0" err="1">
-                <a:solidFill>
-                  <a:srgbClr val="0000FF"/>
-                </a:solidFill>
-                <a:latin typeface="Lucida Console" panose="020B0609040504020204" pitchFamily="49" charset="0"/>
-              </a:rPr>
-              <a:t>maxN</a:t>
-            </a:r>
-            <a:r>
-              <a:rPr lang="en-US" sz="1400" dirty="0">
-                <a:solidFill>
-                  <a:srgbClr val="0000FF"/>
-                </a:solidFill>
-                <a:latin typeface="Lucida Console" panose="020B0609040504020204" pitchFamily="49" charset="0"/>
-              </a:rPr>
-              <a:t> = 1)</a:t>
-            </a:r>
-          </a:p>
-          <a:p>
-            <a:endParaRPr lang="en-US" sz="1400" dirty="0">
-              <a:latin typeface="Lucida Console" panose="020B0609040504020204" pitchFamily="49" charset="0"/>
-            </a:endParaRPr>
-          </a:p>
-          <a:p>
-            <a:r>
-              <a:rPr lang="en-US" sz="1400" dirty="0">
-                <a:latin typeface="Lucida Console" panose="020B0609040504020204" pitchFamily="49" charset="0"/>
-              </a:rPr>
-              <a:t>[extend0 5*3-&gt;6*3]</a:t>
-            </a:r>
-          </a:p>
-          <a:p>
-            <a:r>
-              <a:rPr lang="en-US" sz="1400" dirty="0" err="1">
-                <a:latin typeface="Lucida Console" panose="020B0609040504020204" pitchFamily="49" charset="0"/>
-              </a:rPr>
-              <a:t>GaussSuppression_anySum</a:t>
-            </a:r>
-            <a:r>
-              <a:rPr lang="en-US" sz="1400" dirty="0">
-                <a:latin typeface="Lucida Console" panose="020B0609040504020204" pitchFamily="49" charset="0"/>
-              </a:rPr>
-              <a:t>: ..............</a:t>
-            </a:r>
-          </a:p>
-          <a:p>
-            <a:r>
-              <a:rPr lang="en-US" sz="1400" dirty="0">
-                <a:solidFill>
-                  <a:srgbClr val="C00000"/>
-                </a:solidFill>
-                <a:latin typeface="Lucida Console" panose="020B0609040504020204" pitchFamily="49" charset="0"/>
-              </a:rPr>
-              <a:t>Warning message:</a:t>
-            </a:r>
-          </a:p>
-          <a:p>
-            <a:r>
-              <a:rPr lang="en-US" sz="1400" dirty="0">
-                <a:solidFill>
-                  <a:srgbClr val="C00000"/>
-                </a:solidFill>
-                <a:latin typeface="Lucida Console" panose="020B0609040504020204" pitchFamily="49" charset="0"/>
-              </a:rPr>
-              <a:t>In </a:t>
-            </a:r>
-            <a:r>
-              <a:rPr lang="en-US" sz="1400" dirty="0" err="1">
-                <a:solidFill>
-                  <a:srgbClr val="C00000"/>
-                </a:solidFill>
-                <a:latin typeface="Lucida Console" panose="020B0609040504020204" pitchFamily="49" charset="0"/>
-              </a:rPr>
-              <a:t>GaussSuppression</a:t>
-            </a:r>
-            <a:r>
-              <a:rPr lang="en-US" sz="1400" dirty="0">
-                <a:solidFill>
-                  <a:srgbClr val="C00000"/>
-                </a:solidFill>
-                <a:latin typeface="Lucida Console" panose="020B0609040504020204" pitchFamily="49" charset="0"/>
-              </a:rPr>
-              <a:t>(x = x, candidates = candidates, primary = primary,  :</a:t>
-            </a:r>
-          </a:p>
-          <a:p>
-            <a:r>
-              <a:rPr lang="en-US" sz="1400" dirty="0">
-                <a:solidFill>
-                  <a:srgbClr val="C00000"/>
-                </a:solidFill>
-                <a:latin typeface="Lucida Console" panose="020B0609040504020204" pitchFamily="49" charset="0"/>
-              </a:rPr>
-              <a:t>  Suppressed cells with empty input will not be protected. Extend input data with zeros?</a:t>
-            </a:r>
-          </a:p>
-        </p:txBody>
-      </p:sp>
-      <p:sp>
-        <p:nvSpPr>
-          <p:cNvPr id="7" name="TekstSylinder 6">
-            <a:extLst>
-              <a:ext uri="{FF2B5EF4-FFF2-40B4-BE49-F238E27FC236}">
-                <a16:creationId xmlns:a16="http://schemas.microsoft.com/office/drawing/2014/main" id="{A5E8A7A1-087B-8BFB-1DEB-3BAC3D8923EF}"/>
-              </a:ext>
-            </a:extLst>
-          </p:cNvPr>
-          <p:cNvSpPr txBox="1"/>
-          <p:nvPr/>
-        </p:nvSpPr>
-        <p:spPr>
-          <a:xfrm>
-            <a:off x="6523849" y="1199539"/>
-            <a:ext cx="5565792" cy="5478423"/>
-          </a:xfrm>
-          <a:prstGeom prst="rect">
-            <a:avLst/>
-          </a:prstGeom>
-          <a:solidFill>
-            <a:schemeClr val="bg1"/>
-          </a:solidFill>
-        </p:spPr>
-        <p:txBody>
-          <a:bodyPr wrap="square">
-            <a:spAutoFit/>
-          </a:bodyPr>
-          <a:lstStyle/>
-          <a:p>
-            <a:r>
-              <a:rPr lang="en-US" sz="1400" dirty="0">
-                <a:latin typeface="Lucida Console" panose="020B0609040504020204" pitchFamily="49" charset="0"/>
-              </a:rPr>
-              <a:t>age      geo </a:t>
-            </a:r>
-            <a:r>
-              <a:rPr lang="en-US" sz="1400" dirty="0" err="1">
-                <a:latin typeface="Lucida Console" panose="020B0609040504020204" pitchFamily="49" charset="0"/>
-              </a:rPr>
-              <a:t>freq</a:t>
-            </a:r>
-            <a:r>
-              <a:rPr lang="en-US" sz="1400" dirty="0">
-                <a:latin typeface="Lucida Console" panose="020B0609040504020204" pitchFamily="49" charset="0"/>
-              </a:rPr>
-              <a:t> primary suppressed</a:t>
-            </a:r>
-          </a:p>
-          <a:p>
-            <a:r>
-              <a:rPr lang="en-US" sz="1400" dirty="0">
-                <a:latin typeface="Lucida Console" panose="020B0609040504020204" pitchFamily="49" charset="0"/>
-              </a:rPr>
-              <a:t>1  Total    </a:t>
-            </a:r>
-            <a:r>
-              <a:rPr lang="en-US" sz="1400" dirty="0" err="1">
-                <a:latin typeface="Lucida Console" panose="020B0609040504020204" pitchFamily="49" charset="0"/>
-              </a:rPr>
-              <a:t>Total</a:t>
-            </a:r>
-            <a:r>
-              <a:rPr lang="en-US" sz="1400" dirty="0">
-                <a:latin typeface="Lucida Console" panose="020B0609040504020204" pitchFamily="49" charset="0"/>
-              </a:rPr>
-              <a:t>   20       -          -</a:t>
-            </a:r>
-          </a:p>
-          <a:p>
-            <a:r>
-              <a:rPr lang="en-US" sz="1400" dirty="0">
-                <a:latin typeface="Lucida Console" panose="020B0609040504020204" pitchFamily="49" charset="0"/>
-              </a:rPr>
-              <a:t>2  Total       EU   15       -          -</a:t>
-            </a:r>
-          </a:p>
-          <a:p>
-            <a:r>
-              <a:rPr lang="en-US" sz="1400" dirty="0">
-                <a:latin typeface="Lucida Console" panose="020B0609040504020204" pitchFamily="49" charset="0"/>
-              </a:rPr>
-              <a:t>3  Total    </a:t>
-            </a:r>
-            <a:r>
-              <a:rPr lang="en-US" sz="1400" dirty="0" err="1">
-                <a:latin typeface="Lucida Console" panose="020B0609040504020204" pitchFamily="49" charset="0"/>
-              </a:rPr>
-              <a:t>nonEU</a:t>
-            </a:r>
-            <a:r>
-              <a:rPr lang="en-US" sz="1400" dirty="0">
-                <a:latin typeface="Lucida Console" panose="020B0609040504020204" pitchFamily="49" charset="0"/>
-              </a:rPr>
-              <a:t>    5       -          -</a:t>
-            </a:r>
-          </a:p>
-          <a:p>
-            <a:r>
-              <a:rPr lang="en-US" sz="1400" dirty="0">
-                <a:latin typeface="Lucida Console" panose="020B0609040504020204" pitchFamily="49" charset="0"/>
-              </a:rPr>
-              <a:t>4  Total     Asia    0    TRUE       </a:t>
-            </a:r>
-            <a:r>
-              <a:rPr lang="en-US" sz="1400" dirty="0" err="1">
-                <a:latin typeface="Lucida Console" panose="020B0609040504020204" pitchFamily="49" charset="0"/>
-              </a:rPr>
-              <a:t>TRUE</a:t>
-            </a:r>
-            <a:endParaRPr lang="en-US" sz="1400" dirty="0">
-              <a:latin typeface="Lucida Console" panose="020B0609040504020204" pitchFamily="49" charset="0"/>
-            </a:endParaRPr>
-          </a:p>
-          <a:p>
-            <a:r>
-              <a:rPr lang="en-US" sz="1400" dirty="0">
-                <a:latin typeface="Lucida Console" panose="020B0609040504020204" pitchFamily="49" charset="0"/>
-              </a:rPr>
-              <a:t>5  Total  Iceland    5       -          -</a:t>
-            </a:r>
-          </a:p>
-          <a:p>
-            <a:r>
-              <a:rPr lang="en-US" sz="1400" dirty="0">
-                <a:latin typeface="Lucida Console" panose="020B0609040504020204" pitchFamily="49" charset="0"/>
-              </a:rPr>
-              <a:t>6  Total   Norway    0    TRUE       </a:t>
-            </a:r>
-            <a:r>
-              <a:rPr lang="en-US" sz="1400" dirty="0" err="1">
-                <a:latin typeface="Lucida Console" panose="020B0609040504020204" pitchFamily="49" charset="0"/>
-              </a:rPr>
-              <a:t>TRUE</a:t>
-            </a:r>
-            <a:endParaRPr lang="en-US" sz="1400" dirty="0">
-              <a:latin typeface="Lucida Console" panose="020B0609040504020204" pitchFamily="49" charset="0"/>
-            </a:endParaRPr>
-          </a:p>
-          <a:p>
-            <a:r>
-              <a:rPr lang="en-US" sz="1400" dirty="0">
-                <a:latin typeface="Lucida Console" panose="020B0609040504020204" pitchFamily="49" charset="0"/>
-              </a:rPr>
-              <a:t>7  Total Portugal    4       -          -</a:t>
-            </a:r>
-          </a:p>
-          <a:p>
-            <a:r>
-              <a:rPr lang="en-US" sz="1400" dirty="0">
-                <a:latin typeface="Lucida Console" panose="020B0609040504020204" pitchFamily="49" charset="0"/>
-              </a:rPr>
-              <a:t>8  Total    Spain   11       -          -</a:t>
-            </a:r>
-          </a:p>
-          <a:p>
-            <a:r>
-              <a:rPr lang="en-US" sz="1400" dirty="0">
-                <a:latin typeface="Lucida Console" panose="020B0609040504020204" pitchFamily="49" charset="0"/>
-              </a:rPr>
-              <a:t>9    old    Total   13       -          -</a:t>
-            </a:r>
-          </a:p>
-          <a:p>
-            <a:r>
-              <a:rPr lang="en-US" sz="1400" dirty="0">
-                <a:latin typeface="Lucida Console" panose="020B0609040504020204" pitchFamily="49" charset="0"/>
-              </a:rPr>
-              <a:t>10   old       EU   10       -          -</a:t>
-            </a:r>
-          </a:p>
-          <a:p>
-            <a:r>
-              <a:rPr lang="en-US" sz="1400" dirty="0">
-                <a:latin typeface="Lucida Console" panose="020B0609040504020204" pitchFamily="49" charset="0"/>
-              </a:rPr>
-              <a:t>11   old    </a:t>
-            </a:r>
-            <a:r>
-              <a:rPr lang="en-US" sz="1400" dirty="0" err="1">
-                <a:latin typeface="Lucida Console" panose="020B0609040504020204" pitchFamily="49" charset="0"/>
-              </a:rPr>
-              <a:t>nonEU</a:t>
-            </a:r>
-            <a:r>
-              <a:rPr lang="en-US" sz="1400" dirty="0">
-                <a:latin typeface="Lucida Console" panose="020B0609040504020204" pitchFamily="49" charset="0"/>
-              </a:rPr>
-              <a:t>    3       -          -</a:t>
-            </a:r>
-          </a:p>
-          <a:p>
-            <a:r>
-              <a:rPr lang="en-US" sz="1400" dirty="0">
-                <a:latin typeface="Lucida Console" panose="020B0609040504020204" pitchFamily="49" charset="0"/>
-              </a:rPr>
-              <a:t>12   old     Asia    0    TRUE       </a:t>
-            </a:r>
-            <a:r>
-              <a:rPr lang="en-US" sz="1400" dirty="0" err="1">
-                <a:latin typeface="Lucida Console" panose="020B0609040504020204" pitchFamily="49" charset="0"/>
-              </a:rPr>
-              <a:t>TRUE</a:t>
-            </a:r>
-            <a:endParaRPr lang="en-US" sz="1400" dirty="0">
-              <a:latin typeface="Lucida Console" panose="020B0609040504020204" pitchFamily="49" charset="0"/>
-            </a:endParaRPr>
-          </a:p>
-          <a:p>
-            <a:r>
-              <a:rPr lang="en-US" sz="1400" dirty="0">
-                <a:latin typeface="Lucida Console" panose="020B0609040504020204" pitchFamily="49" charset="0"/>
-              </a:rPr>
-              <a:t>13   old  Iceland    3       -          -</a:t>
-            </a:r>
-          </a:p>
-          <a:p>
-            <a:r>
-              <a:rPr lang="en-US" sz="1400" dirty="0">
-                <a:latin typeface="Lucida Console" panose="020B0609040504020204" pitchFamily="49" charset="0"/>
-              </a:rPr>
-              <a:t>14   old   Norway    0    TRUE       </a:t>
-            </a:r>
-            <a:r>
-              <a:rPr lang="en-US" sz="1400" dirty="0" err="1">
-                <a:latin typeface="Lucida Console" panose="020B0609040504020204" pitchFamily="49" charset="0"/>
-              </a:rPr>
-              <a:t>TRUE</a:t>
-            </a:r>
-            <a:endParaRPr lang="en-US" sz="1400" dirty="0">
-              <a:latin typeface="Lucida Console" panose="020B0609040504020204" pitchFamily="49" charset="0"/>
-            </a:endParaRPr>
-          </a:p>
-          <a:p>
-            <a:r>
-              <a:rPr lang="en-US" sz="1400" dirty="0">
-                <a:latin typeface="Lucida Console" panose="020B0609040504020204" pitchFamily="49" charset="0"/>
-              </a:rPr>
-              <a:t>15   old Portugal    4       -       TRUE</a:t>
-            </a:r>
-          </a:p>
-          <a:p>
-            <a:r>
-              <a:rPr lang="en-US" sz="1400" dirty="0">
-                <a:latin typeface="Lucida Console" panose="020B0609040504020204" pitchFamily="49" charset="0"/>
-              </a:rPr>
-              <a:t>16   old    Spain    6       -       TRUE</a:t>
-            </a:r>
-          </a:p>
-          <a:p>
-            <a:r>
-              <a:rPr lang="en-US" sz="1400" dirty="0">
-                <a:latin typeface="Lucida Console" panose="020B0609040504020204" pitchFamily="49" charset="0"/>
-              </a:rPr>
-              <a:t>17 young    Total    7       -          -</a:t>
-            </a:r>
-          </a:p>
-          <a:p>
-            <a:r>
-              <a:rPr lang="en-US" sz="1400" dirty="0">
-                <a:latin typeface="Lucida Console" panose="020B0609040504020204" pitchFamily="49" charset="0"/>
-              </a:rPr>
-              <a:t>18 young       EU    5       -          -</a:t>
-            </a:r>
-          </a:p>
-          <a:p>
-            <a:r>
-              <a:rPr lang="en-US" sz="1400" dirty="0">
-                <a:latin typeface="Lucida Console" panose="020B0609040504020204" pitchFamily="49" charset="0"/>
-              </a:rPr>
-              <a:t>19 young    </a:t>
-            </a:r>
-            <a:r>
-              <a:rPr lang="en-US" sz="1400" dirty="0" err="1">
-                <a:latin typeface="Lucida Console" panose="020B0609040504020204" pitchFamily="49" charset="0"/>
-              </a:rPr>
-              <a:t>nonEU</a:t>
-            </a:r>
-            <a:r>
-              <a:rPr lang="en-US" sz="1400" dirty="0">
-                <a:latin typeface="Lucida Console" panose="020B0609040504020204" pitchFamily="49" charset="0"/>
-              </a:rPr>
-              <a:t>    2       -          -</a:t>
-            </a:r>
-          </a:p>
-          <a:p>
-            <a:r>
-              <a:rPr lang="en-US" sz="1400" dirty="0">
-                <a:latin typeface="Lucida Console" panose="020B0609040504020204" pitchFamily="49" charset="0"/>
-              </a:rPr>
-              <a:t>20 young     Asia    0    TRUE       </a:t>
-            </a:r>
-            <a:r>
-              <a:rPr lang="en-US" sz="1400" dirty="0" err="1">
-                <a:latin typeface="Lucida Console" panose="020B0609040504020204" pitchFamily="49" charset="0"/>
-              </a:rPr>
-              <a:t>TRUE</a:t>
-            </a:r>
-            <a:endParaRPr lang="en-US" sz="1400" dirty="0">
-              <a:latin typeface="Lucida Console" panose="020B0609040504020204" pitchFamily="49" charset="0"/>
-            </a:endParaRPr>
-          </a:p>
-          <a:p>
-            <a:r>
-              <a:rPr lang="en-US" sz="1400" dirty="0">
-                <a:latin typeface="Lucida Console" panose="020B0609040504020204" pitchFamily="49" charset="0"/>
-              </a:rPr>
-              <a:t>21 young  Iceland    2       -          -</a:t>
-            </a:r>
-          </a:p>
-          <a:p>
-            <a:r>
-              <a:rPr lang="en-US" sz="1400" dirty="0">
-                <a:latin typeface="Lucida Console" panose="020B0609040504020204" pitchFamily="49" charset="0"/>
-              </a:rPr>
-              <a:t>22 young   Norway    0    TRUE       </a:t>
-            </a:r>
-            <a:r>
-              <a:rPr lang="en-US" sz="1400" dirty="0" err="1">
-                <a:latin typeface="Lucida Console" panose="020B0609040504020204" pitchFamily="49" charset="0"/>
-              </a:rPr>
-              <a:t>TRUE</a:t>
-            </a:r>
-            <a:endParaRPr lang="en-US" sz="1400" dirty="0">
-              <a:latin typeface="Lucida Console" panose="020B0609040504020204" pitchFamily="49" charset="0"/>
-            </a:endParaRPr>
-          </a:p>
-          <a:p>
-            <a:r>
-              <a:rPr lang="en-US" sz="1400" dirty="0">
-                <a:latin typeface="Lucida Console" panose="020B0609040504020204" pitchFamily="49" charset="0"/>
-              </a:rPr>
-              <a:t>23 young Portugal    0    TRUE       </a:t>
-            </a:r>
-            <a:r>
-              <a:rPr lang="en-US" sz="1400" dirty="0" err="1">
-                <a:latin typeface="Lucida Console" panose="020B0609040504020204" pitchFamily="49" charset="0"/>
-              </a:rPr>
-              <a:t>TRUE</a:t>
-            </a:r>
-            <a:endParaRPr lang="en-US" sz="1400" dirty="0">
-              <a:latin typeface="Lucida Console" panose="020B0609040504020204" pitchFamily="49" charset="0"/>
-            </a:endParaRPr>
-          </a:p>
-          <a:p>
-            <a:r>
-              <a:rPr lang="en-US" sz="1400" dirty="0">
-                <a:latin typeface="Lucida Console" panose="020B0609040504020204" pitchFamily="49" charset="0"/>
-              </a:rPr>
-              <a:t>24 young    Spain    5       -       TRUE</a:t>
-            </a:r>
-          </a:p>
-        </p:txBody>
-      </p:sp>
-      <p:pic>
-        <p:nvPicPr>
-          <p:cNvPr id="6" name="Bilde 5">
-            <a:extLst>
-              <a:ext uri="{FF2B5EF4-FFF2-40B4-BE49-F238E27FC236}">
-                <a16:creationId xmlns:a16="http://schemas.microsoft.com/office/drawing/2014/main" id="{AB202946-C18F-97D8-76CC-36229E8CE1D6}"/>
-              </a:ext>
-            </a:extLst>
-          </p:cNvPr>
-          <p:cNvPicPr>
-            <a:picLocks noChangeAspect="1"/>
-          </p:cNvPicPr>
-          <p:nvPr/>
-        </p:nvPicPr>
-        <p:blipFill>
-          <a:blip r:embed="rId2">
-            <a:extLst>
-              <a:ext uri="{28A0092B-C50C-407E-A947-70E740481C1C}">
-                <a14:useLocalDpi xmlns:a14="http://schemas.microsoft.com/office/drawing/2010/main" val="0"/>
-              </a:ext>
-            </a:extLst>
-          </a:blip>
-          <a:srcRect/>
-          <a:stretch/>
-        </p:blipFill>
-        <p:spPr>
-          <a:xfrm>
-            <a:off x="2563906" y="2393220"/>
-            <a:ext cx="8618444" cy="4120003"/>
-          </a:xfrm>
-          <a:prstGeom prst="rect">
-            <a:avLst/>
-          </a:prstGeom>
-          <a:effectLst>
-            <a:outerShdw blurRad="596900" dist="406400" dir="4200000" algn="t" rotWithShape="0">
-              <a:prstClr val="black">
-                <a:alpha val="40000"/>
-              </a:prstClr>
-            </a:outerShdw>
-          </a:effectLst>
-        </p:spPr>
-      </p:pic>
-      <p:sp>
-        <p:nvSpPr>
-          <p:cNvPr id="4" name="Bildeforklaring formet som et avrundet rektangel 5">
-            <a:extLst>
-              <a:ext uri="{FF2B5EF4-FFF2-40B4-BE49-F238E27FC236}">
-                <a16:creationId xmlns:a16="http://schemas.microsoft.com/office/drawing/2014/main" id="{E95C04C3-0425-9122-5774-D24CE7DA5313}"/>
-              </a:ext>
-            </a:extLst>
-          </p:cNvPr>
-          <p:cNvSpPr txBox="1">
-            <a:spLocks/>
-          </p:cNvSpPr>
-          <p:nvPr/>
-        </p:nvSpPr>
-        <p:spPr>
-          <a:xfrm>
-            <a:off x="3292447" y="1191615"/>
-            <a:ext cx="4709200" cy="1218493"/>
-          </a:xfrm>
-          <a:prstGeom prst="wedgeRoundRectCallout">
-            <a:avLst>
-              <a:gd name="adj1" fmla="val 53459"/>
-              <a:gd name="adj2" fmla="val 311091"/>
-              <a:gd name="adj3" fmla="val 16667"/>
-            </a:avLst>
-          </a:prstGeom>
-          <a:solidFill>
-            <a:srgbClr val="FFFAEB"/>
-          </a:solidFill>
-        </p:spPr>
-        <p:style>
-          <a:lnRef idx="2">
-            <a:schemeClr val="accent1">
-              <a:shade val="50000"/>
-            </a:schemeClr>
-          </a:lnRef>
-          <a:fillRef idx="1">
-            <a:schemeClr val="accent1"/>
-          </a:fillRef>
-          <a:effectRef idx="0">
-            <a:schemeClr val="accent1"/>
-          </a:effectRef>
-          <a:fontRef idx="minor">
-            <a:schemeClr val="lt1"/>
-          </a:fontRef>
-        </p:style>
-        <p:txBody>
-          <a:bodyPr vert="horz" lIns="91440" tIns="45720" rIns="91440" bIns="45720" rtlCol="0" anchor="ctr">
-            <a:noAutofit/>
-          </a:bodyPr>
-          <a:lstStyle>
-            <a:lvl1pPr marL="228611" indent="-228611" algn="l" defTabSz="914446" rtl="0" eaLnBrk="1" latinLnBrk="0" hangingPunct="1">
-              <a:lnSpc>
-                <a:spcPct val="150000"/>
-              </a:lnSpc>
-              <a:spcBef>
-                <a:spcPts val="0"/>
-              </a:spcBef>
-              <a:spcAft>
-                <a:spcPts val="900"/>
-              </a:spcAft>
-              <a:buFont typeface="Arial" panose="020B0604020202020204" pitchFamily="34" charset="0"/>
-              <a:buChar char="•"/>
-              <a:defRPr sz="2400" kern="1200">
-                <a:solidFill>
-                  <a:schemeClr val="lt1"/>
-                </a:solidFill>
-                <a:latin typeface="+mn-lt"/>
-                <a:ea typeface="+mn-ea"/>
-                <a:cs typeface="+mn-cs"/>
-              </a:defRPr>
-            </a:lvl1pPr>
-            <a:lvl2pPr marL="396079" indent="-144029" algn="l" defTabSz="914446" rtl="0" eaLnBrk="1" latinLnBrk="0" hangingPunct="1">
-              <a:lnSpc>
-                <a:spcPct val="150000"/>
-              </a:lnSpc>
-              <a:spcBef>
-                <a:spcPts val="0"/>
-              </a:spcBef>
-              <a:spcAft>
-                <a:spcPts val="600"/>
-              </a:spcAft>
-              <a:buSzPct val="100000"/>
-              <a:buFont typeface="Arial" panose="020B0604020202020204" pitchFamily="34" charset="0"/>
-              <a:buChar char="◦"/>
-              <a:defRPr sz="1800" kern="1200">
-                <a:solidFill>
-                  <a:schemeClr val="lt1"/>
-                </a:solidFill>
-                <a:latin typeface="+mn-lt"/>
-                <a:ea typeface="+mn-ea"/>
-                <a:cs typeface="+mn-cs"/>
-              </a:defRPr>
-            </a:lvl2pPr>
-            <a:lvl3pPr marL="522104" indent="-108022" algn="l" defTabSz="914446" rtl="0" eaLnBrk="1" latinLnBrk="0" hangingPunct="1">
-              <a:lnSpc>
-                <a:spcPct val="150000"/>
-              </a:lnSpc>
-              <a:spcBef>
-                <a:spcPts val="300"/>
-              </a:spcBef>
-              <a:spcAft>
-                <a:spcPts val="400"/>
-              </a:spcAft>
-              <a:buFont typeface="Open Sans" panose="020B0606030504020204" pitchFamily="34" charset="0"/>
-              <a:buChar char="­"/>
-              <a:defRPr sz="1400" kern="1200">
-                <a:solidFill>
-                  <a:schemeClr val="lt1"/>
-                </a:solidFill>
-                <a:latin typeface="+mn-lt"/>
-                <a:ea typeface="+mn-ea"/>
-                <a:cs typeface="+mn-cs"/>
-              </a:defRPr>
-            </a:lvl3pPr>
-            <a:lvl4pPr marL="666133" indent="-99020" algn="l" defTabSz="914446" rtl="0" eaLnBrk="1" latinLnBrk="0" hangingPunct="1">
-              <a:lnSpc>
-                <a:spcPct val="150000"/>
-              </a:lnSpc>
-              <a:spcBef>
-                <a:spcPts val="250"/>
-              </a:spcBef>
-              <a:buFont typeface="Open Sans" panose="020B0606030504020204" pitchFamily="34" charset="0"/>
-              <a:buChar char="­"/>
-              <a:defRPr sz="1050" kern="1200">
-                <a:solidFill>
-                  <a:schemeClr val="lt1"/>
-                </a:solidFill>
-                <a:latin typeface="+mn-lt"/>
-                <a:ea typeface="+mn-ea"/>
-                <a:cs typeface="+mn-cs"/>
-              </a:defRPr>
-            </a:lvl4pPr>
-            <a:lvl5pPr marL="774155" indent="-90018" algn="l" defTabSz="914446" rtl="0" eaLnBrk="1" latinLnBrk="0" hangingPunct="1">
-              <a:lnSpc>
-                <a:spcPct val="150000"/>
-              </a:lnSpc>
-              <a:spcBef>
-                <a:spcPts val="250"/>
-              </a:spcBef>
-              <a:buFont typeface="Open Sans" panose="020B0606030504020204" pitchFamily="34" charset="0"/>
-              <a:buChar char="­"/>
-              <a:defRPr sz="1000" kern="1200">
-                <a:solidFill>
-                  <a:schemeClr val="lt1"/>
-                </a:solidFill>
-                <a:latin typeface="+mn-lt"/>
-                <a:ea typeface="+mn-ea"/>
-                <a:cs typeface="+mn-cs"/>
-              </a:defRPr>
-            </a:lvl5pPr>
-            <a:lvl6pPr marL="2514726" indent="-228611" algn="l" defTabSz="914446" rtl="0" eaLnBrk="1" latinLnBrk="0" hangingPunct="1">
-              <a:lnSpc>
-                <a:spcPct val="90000"/>
-              </a:lnSpc>
-              <a:spcBef>
-                <a:spcPts val="500"/>
-              </a:spcBef>
-              <a:buFont typeface="Arial" panose="020B0604020202020204" pitchFamily="34" charset="0"/>
-              <a:buChar char="•"/>
-              <a:defRPr sz="1800" kern="1200">
-                <a:solidFill>
-                  <a:schemeClr val="lt1"/>
-                </a:solidFill>
-                <a:latin typeface="+mn-lt"/>
-                <a:ea typeface="+mn-ea"/>
-                <a:cs typeface="+mn-cs"/>
-              </a:defRPr>
-            </a:lvl6pPr>
-            <a:lvl7pPr marL="2971948" indent="-228611" algn="l" defTabSz="914446" rtl="0" eaLnBrk="1" latinLnBrk="0" hangingPunct="1">
-              <a:lnSpc>
-                <a:spcPct val="90000"/>
-              </a:lnSpc>
-              <a:spcBef>
-                <a:spcPts val="500"/>
-              </a:spcBef>
-              <a:buFont typeface="Arial" panose="020B0604020202020204" pitchFamily="34" charset="0"/>
-              <a:buChar char="•"/>
-              <a:defRPr sz="1800" kern="1200">
-                <a:solidFill>
-                  <a:schemeClr val="lt1"/>
-                </a:solidFill>
-                <a:latin typeface="+mn-lt"/>
-                <a:ea typeface="+mn-ea"/>
-                <a:cs typeface="+mn-cs"/>
-              </a:defRPr>
-            </a:lvl7pPr>
-            <a:lvl8pPr marL="3429171" indent="-228611" algn="l" defTabSz="914446" rtl="0" eaLnBrk="1" latinLnBrk="0" hangingPunct="1">
-              <a:lnSpc>
-                <a:spcPct val="90000"/>
-              </a:lnSpc>
-              <a:spcBef>
-                <a:spcPts val="500"/>
-              </a:spcBef>
-              <a:buFont typeface="Arial" panose="020B0604020202020204" pitchFamily="34" charset="0"/>
-              <a:buChar char="•"/>
-              <a:defRPr sz="1800" kern="1200">
-                <a:solidFill>
-                  <a:schemeClr val="lt1"/>
-                </a:solidFill>
-                <a:latin typeface="+mn-lt"/>
-                <a:ea typeface="+mn-ea"/>
-                <a:cs typeface="+mn-cs"/>
-              </a:defRPr>
-            </a:lvl8pPr>
-            <a:lvl9pPr marL="3886394" indent="-228611" algn="l" defTabSz="914446" rtl="0" eaLnBrk="1" latinLnBrk="0" hangingPunct="1">
-              <a:lnSpc>
-                <a:spcPct val="90000"/>
-              </a:lnSpc>
-              <a:spcBef>
-                <a:spcPts val="500"/>
-              </a:spcBef>
-              <a:buFont typeface="Arial" panose="020B0604020202020204" pitchFamily="34" charset="0"/>
-              <a:buChar char="•"/>
-              <a:defRPr sz="1800" kern="1200">
-                <a:solidFill>
-                  <a:schemeClr val="lt1"/>
-                </a:solidFill>
-                <a:latin typeface="+mn-lt"/>
-                <a:ea typeface="+mn-ea"/>
-                <a:cs typeface="+mn-cs"/>
-              </a:defRPr>
-            </a:lvl9pPr>
-          </a:lstStyle>
-          <a:p>
-            <a:pPr>
-              <a:lnSpc>
-                <a:spcPct val="100000"/>
-              </a:lnSpc>
-            </a:pPr>
-            <a:r>
-              <a:rPr lang="en-US" sz="1200" dirty="0">
-                <a:solidFill>
-                  <a:schemeClr val="tx1"/>
-                </a:solidFill>
-              </a:rPr>
-              <a:t>This row with frequency 0 is added to the new ”inner” data </a:t>
-            </a:r>
-          </a:p>
-          <a:p>
-            <a:pPr>
-              <a:lnSpc>
-                <a:spcPct val="100000"/>
-              </a:lnSpc>
-            </a:pPr>
-            <a:r>
-              <a:rPr lang="en-US" sz="1200" dirty="0">
-                <a:solidFill>
-                  <a:schemeClr val="tx1"/>
-                </a:solidFill>
-              </a:rPr>
-              <a:t>This is because this combination is missing in input</a:t>
-            </a:r>
-            <a:endParaRPr lang="en-US" sz="600" dirty="0">
-              <a:solidFill>
-                <a:schemeClr val="tx1"/>
-              </a:solidFill>
-            </a:endParaRPr>
-          </a:p>
-          <a:p>
-            <a:pPr>
-              <a:lnSpc>
-                <a:spcPct val="100000"/>
-              </a:lnSpc>
-            </a:pPr>
-            <a:r>
-              <a:rPr lang="en-US" sz="1200" dirty="0">
-                <a:solidFill>
-                  <a:schemeClr val="tx1"/>
-                </a:solidFill>
-              </a:rPr>
-              <a:t>This is due to </a:t>
-            </a:r>
-            <a:r>
-              <a:rPr lang="en-US" sz="1200" dirty="0">
-                <a:solidFill>
-                  <a:schemeClr val="tx1"/>
-                </a:solidFill>
-                <a:latin typeface="Lucida Console" panose="020B0609040504020204" pitchFamily="49" charset="0"/>
-              </a:rPr>
-              <a:t>extend0</a:t>
-            </a:r>
-          </a:p>
-          <a:p>
-            <a:pPr>
-              <a:lnSpc>
-                <a:spcPct val="100000"/>
-              </a:lnSpc>
-            </a:pPr>
-            <a:r>
-              <a:rPr lang="en-US" sz="1200" dirty="0">
-                <a:solidFill>
-                  <a:schemeClr val="tx1"/>
-                </a:solidFill>
-              </a:rPr>
-              <a:t>But Norway and Asia are not added</a:t>
-            </a:r>
-            <a:endParaRPr lang="en-US" sz="1200" dirty="0">
-              <a:solidFill>
-                <a:schemeClr val="tx1"/>
-              </a:solidFill>
-              <a:latin typeface="Lucida Console" panose="020B0609040504020204" pitchFamily="49" charset="0"/>
-            </a:endParaRPr>
-          </a:p>
-        </p:txBody>
-      </p:sp>
-      <p:sp>
-        <p:nvSpPr>
-          <p:cNvPr id="8" name="Bildeforklaring formet som et avrundet rektangel 5">
-            <a:extLst>
-              <a:ext uri="{FF2B5EF4-FFF2-40B4-BE49-F238E27FC236}">
-                <a16:creationId xmlns:a16="http://schemas.microsoft.com/office/drawing/2014/main" id="{9857D68B-3B8D-A8F8-DD7E-1BD4A9A86D42}"/>
-              </a:ext>
-            </a:extLst>
-          </p:cNvPr>
-          <p:cNvSpPr txBox="1">
-            <a:spLocks/>
-          </p:cNvSpPr>
-          <p:nvPr/>
-        </p:nvSpPr>
-        <p:spPr>
-          <a:xfrm>
-            <a:off x="467183" y="4044516"/>
-            <a:ext cx="3895161" cy="403377"/>
-          </a:xfrm>
-          <a:prstGeom prst="wedgeRoundRectCallout">
-            <a:avLst>
-              <a:gd name="adj1" fmla="val -19989"/>
-              <a:gd name="adj2" fmla="val -74949"/>
-              <a:gd name="adj3" fmla="val 16667"/>
-            </a:avLst>
-          </a:prstGeom>
-          <a:solidFill>
-            <a:srgbClr val="FFFAEB"/>
-          </a:solidFill>
-        </p:spPr>
-        <p:style>
-          <a:lnRef idx="2">
-            <a:schemeClr val="accent1">
-              <a:shade val="50000"/>
-            </a:schemeClr>
-          </a:lnRef>
-          <a:fillRef idx="1">
-            <a:schemeClr val="accent1"/>
-          </a:fillRef>
-          <a:effectRef idx="0">
-            <a:schemeClr val="accent1"/>
-          </a:effectRef>
-          <a:fontRef idx="minor">
-            <a:schemeClr val="lt1"/>
-          </a:fontRef>
-        </p:style>
-        <p:txBody>
-          <a:bodyPr vert="horz" lIns="91440" tIns="45720" rIns="91440" bIns="45720" rtlCol="0" anchor="ctr">
-            <a:noAutofit/>
-          </a:bodyPr>
-          <a:lstStyle>
-            <a:lvl1pPr marL="228611" indent="-228611" algn="l" defTabSz="914446" rtl="0" eaLnBrk="1" latinLnBrk="0" hangingPunct="1">
-              <a:lnSpc>
-                <a:spcPct val="150000"/>
-              </a:lnSpc>
-              <a:spcBef>
-                <a:spcPts val="0"/>
-              </a:spcBef>
-              <a:spcAft>
-                <a:spcPts val="900"/>
-              </a:spcAft>
-              <a:buFont typeface="Arial" panose="020B0604020202020204" pitchFamily="34" charset="0"/>
-              <a:buChar char="•"/>
-              <a:defRPr sz="2400" kern="1200">
-                <a:solidFill>
-                  <a:schemeClr val="lt1"/>
-                </a:solidFill>
-                <a:latin typeface="+mn-lt"/>
-                <a:ea typeface="+mn-ea"/>
-                <a:cs typeface="+mn-cs"/>
-              </a:defRPr>
-            </a:lvl1pPr>
-            <a:lvl2pPr marL="396079" indent="-144029" algn="l" defTabSz="914446" rtl="0" eaLnBrk="1" latinLnBrk="0" hangingPunct="1">
-              <a:lnSpc>
-                <a:spcPct val="150000"/>
-              </a:lnSpc>
-              <a:spcBef>
-                <a:spcPts val="0"/>
-              </a:spcBef>
-              <a:spcAft>
-                <a:spcPts val="600"/>
-              </a:spcAft>
-              <a:buSzPct val="100000"/>
-              <a:buFont typeface="Arial" panose="020B0604020202020204" pitchFamily="34" charset="0"/>
-              <a:buChar char="◦"/>
-              <a:defRPr sz="1800" kern="1200">
-                <a:solidFill>
-                  <a:schemeClr val="lt1"/>
-                </a:solidFill>
-                <a:latin typeface="+mn-lt"/>
-                <a:ea typeface="+mn-ea"/>
-                <a:cs typeface="+mn-cs"/>
-              </a:defRPr>
-            </a:lvl2pPr>
-            <a:lvl3pPr marL="522104" indent="-108022" algn="l" defTabSz="914446" rtl="0" eaLnBrk="1" latinLnBrk="0" hangingPunct="1">
-              <a:lnSpc>
-                <a:spcPct val="150000"/>
-              </a:lnSpc>
-              <a:spcBef>
-                <a:spcPts val="300"/>
-              </a:spcBef>
-              <a:spcAft>
-                <a:spcPts val="400"/>
-              </a:spcAft>
-              <a:buFont typeface="Open Sans" panose="020B0606030504020204" pitchFamily="34" charset="0"/>
-              <a:buChar char="­"/>
-              <a:defRPr sz="1400" kern="1200">
-                <a:solidFill>
-                  <a:schemeClr val="lt1"/>
-                </a:solidFill>
-                <a:latin typeface="+mn-lt"/>
-                <a:ea typeface="+mn-ea"/>
-                <a:cs typeface="+mn-cs"/>
-              </a:defRPr>
-            </a:lvl3pPr>
-            <a:lvl4pPr marL="666133" indent="-99020" algn="l" defTabSz="914446" rtl="0" eaLnBrk="1" latinLnBrk="0" hangingPunct="1">
-              <a:lnSpc>
-                <a:spcPct val="150000"/>
-              </a:lnSpc>
-              <a:spcBef>
-                <a:spcPts val="250"/>
-              </a:spcBef>
-              <a:buFont typeface="Open Sans" panose="020B0606030504020204" pitchFamily="34" charset="0"/>
-              <a:buChar char="­"/>
-              <a:defRPr sz="1050" kern="1200">
-                <a:solidFill>
-                  <a:schemeClr val="lt1"/>
-                </a:solidFill>
-                <a:latin typeface="+mn-lt"/>
-                <a:ea typeface="+mn-ea"/>
-                <a:cs typeface="+mn-cs"/>
-              </a:defRPr>
-            </a:lvl4pPr>
-            <a:lvl5pPr marL="774155" indent="-90018" algn="l" defTabSz="914446" rtl="0" eaLnBrk="1" latinLnBrk="0" hangingPunct="1">
-              <a:lnSpc>
-                <a:spcPct val="150000"/>
-              </a:lnSpc>
-              <a:spcBef>
-                <a:spcPts val="250"/>
-              </a:spcBef>
-              <a:buFont typeface="Open Sans" panose="020B0606030504020204" pitchFamily="34" charset="0"/>
-              <a:buChar char="­"/>
-              <a:defRPr sz="1000" kern="1200">
-                <a:solidFill>
-                  <a:schemeClr val="lt1"/>
-                </a:solidFill>
-                <a:latin typeface="+mn-lt"/>
-                <a:ea typeface="+mn-ea"/>
-                <a:cs typeface="+mn-cs"/>
-              </a:defRPr>
-            </a:lvl5pPr>
-            <a:lvl6pPr marL="2514726" indent="-228611" algn="l" defTabSz="914446" rtl="0" eaLnBrk="1" latinLnBrk="0" hangingPunct="1">
-              <a:lnSpc>
-                <a:spcPct val="90000"/>
-              </a:lnSpc>
-              <a:spcBef>
-                <a:spcPts val="500"/>
-              </a:spcBef>
-              <a:buFont typeface="Arial" panose="020B0604020202020204" pitchFamily="34" charset="0"/>
-              <a:buChar char="•"/>
-              <a:defRPr sz="1800" kern="1200">
-                <a:solidFill>
-                  <a:schemeClr val="lt1"/>
-                </a:solidFill>
-                <a:latin typeface="+mn-lt"/>
-                <a:ea typeface="+mn-ea"/>
-                <a:cs typeface="+mn-cs"/>
-              </a:defRPr>
-            </a:lvl6pPr>
-            <a:lvl7pPr marL="2971948" indent="-228611" algn="l" defTabSz="914446" rtl="0" eaLnBrk="1" latinLnBrk="0" hangingPunct="1">
-              <a:lnSpc>
-                <a:spcPct val="90000"/>
-              </a:lnSpc>
-              <a:spcBef>
-                <a:spcPts val="500"/>
-              </a:spcBef>
-              <a:buFont typeface="Arial" panose="020B0604020202020204" pitchFamily="34" charset="0"/>
-              <a:buChar char="•"/>
-              <a:defRPr sz="1800" kern="1200">
-                <a:solidFill>
-                  <a:schemeClr val="lt1"/>
-                </a:solidFill>
-                <a:latin typeface="+mn-lt"/>
-                <a:ea typeface="+mn-ea"/>
-                <a:cs typeface="+mn-cs"/>
-              </a:defRPr>
-            </a:lvl7pPr>
-            <a:lvl8pPr marL="3429171" indent="-228611" algn="l" defTabSz="914446" rtl="0" eaLnBrk="1" latinLnBrk="0" hangingPunct="1">
-              <a:lnSpc>
-                <a:spcPct val="90000"/>
-              </a:lnSpc>
-              <a:spcBef>
-                <a:spcPts val="500"/>
-              </a:spcBef>
-              <a:buFont typeface="Arial" panose="020B0604020202020204" pitchFamily="34" charset="0"/>
-              <a:buChar char="•"/>
-              <a:defRPr sz="1800" kern="1200">
-                <a:solidFill>
-                  <a:schemeClr val="lt1"/>
-                </a:solidFill>
-                <a:latin typeface="+mn-lt"/>
-                <a:ea typeface="+mn-ea"/>
-                <a:cs typeface="+mn-cs"/>
-              </a:defRPr>
-            </a:lvl8pPr>
-            <a:lvl9pPr marL="3886394" indent="-228611" algn="l" defTabSz="914446" rtl="0" eaLnBrk="1" latinLnBrk="0" hangingPunct="1">
-              <a:lnSpc>
-                <a:spcPct val="90000"/>
-              </a:lnSpc>
-              <a:spcBef>
-                <a:spcPts val="500"/>
-              </a:spcBef>
-              <a:buFont typeface="Arial" panose="020B0604020202020204" pitchFamily="34" charset="0"/>
-              <a:buChar char="•"/>
-              <a:defRPr sz="1800" kern="1200">
-                <a:solidFill>
-                  <a:schemeClr val="lt1"/>
-                </a:solidFill>
-                <a:latin typeface="+mn-lt"/>
-                <a:ea typeface="+mn-ea"/>
-                <a:cs typeface="+mn-cs"/>
-              </a:defRPr>
-            </a:lvl9pPr>
-          </a:lstStyle>
-          <a:p>
-            <a:pPr marL="0" indent="0">
-              <a:lnSpc>
-                <a:spcPct val="100000"/>
-              </a:lnSpc>
-              <a:buNone/>
-            </a:pPr>
-            <a:r>
-              <a:rPr lang="en-US" sz="1200" dirty="0">
-                <a:solidFill>
-                  <a:schemeClr val="tx1"/>
-                </a:solidFill>
-              </a:rPr>
-              <a:t>We see a warning about possible problems</a:t>
-            </a:r>
-            <a:endParaRPr lang="en-US" sz="1200" dirty="0">
-              <a:solidFill>
-                <a:schemeClr val="tx1"/>
-              </a:solidFill>
-              <a:latin typeface="Lucida Console" panose="020B0609040504020204" pitchFamily="49" charset="0"/>
-            </a:endParaRPr>
-          </a:p>
-        </p:txBody>
-      </p:sp>
-      <p:sp>
-        <p:nvSpPr>
-          <p:cNvPr id="9" name="Bildeforklaring formet som et avrundet rektangel 5">
-            <a:extLst>
-              <a:ext uri="{FF2B5EF4-FFF2-40B4-BE49-F238E27FC236}">
-                <a16:creationId xmlns:a16="http://schemas.microsoft.com/office/drawing/2014/main" id="{7B94C0CC-89EF-3A27-5F6D-810C6F7FD6F5}"/>
-              </a:ext>
-            </a:extLst>
-          </p:cNvPr>
-          <p:cNvSpPr txBox="1">
-            <a:spLocks/>
-          </p:cNvSpPr>
-          <p:nvPr/>
-        </p:nvSpPr>
-        <p:spPr>
-          <a:xfrm>
-            <a:off x="719171" y="5670890"/>
-            <a:ext cx="3895161" cy="403377"/>
-          </a:xfrm>
-          <a:prstGeom prst="wedgeRoundRectCallout">
-            <a:avLst>
-              <a:gd name="adj1" fmla="val -4881"/>
-              <a:gd name="adj2" fmla="val -83927"/>
-              <a:gd name="adj3" fmla="val 16667"/>
-            </a:avLst>
-          </a:prstGeom>
-          <a:solidFill>
-            <a:srgbClr val="FFFAEB"/>
-          </a:solidFill>
-        </p:spPr>
-        <p:style>
-          <a:lnRef idx="2">
-            <a:schemeClr val="accent1">
-              <a:shade val="50000"/>
-            </a:schemeClr>
-          </a:lnRef>
-          <a:fillRef idx="1">
-            <a:schemeClr val="accent1"/>
-          </a:fillRef>
-          <a:effectRef idx="0">
-            <a:schemeClr val="accent1"/>
-          </a:effectRef>
-          <a:fontRef idx="minor">
-            <a:schemeClr val="lt1"/>
-          </a:fontRef>
-        </p:style>
-        <p:txBody>
-          <a:bodyPr vert="horz" lIns="91440" tIns="45720" rIns="91440" bIns="45720" rtlCol="0" anchor="ctr">
-            <a:noAutofit/>
-          </a:bodyPr>
-          <a:lstStyle>
-            <a:lvl1pPr marL="228611" indent="-228611" algn="l" defTabSz="914446" rtl="0" eaLnBrk="1" latinLnBrk="0" hangingPunct="1">
-              <a:lnSpc>
-                <a:spcPct val="150000"/>
-              </a:lnSpc>
-              <a:spcBef>
-                <a:spcPts val="0"/>
-              </a:spcBef>
-              <a:spcAft>
-                <a:spcPts val="900"/>
-              </a:spcAft>
-              <a:buFont typeface="Arial" panose="020B0604020202020204" pitchFamily="34" charset="0"/>
-              <a:buChar char="•"/>
-              <a:defRPr sz="2400" kern="1200">
-                <a:solidFill>
-                  <a:schemeClr val="lt1"/>
-                </a:solidFill>
-                <a:latin typeface="+mn-lt"/>
-                <a:ea typeface="+mn-ea"/>
-                <a:cs typeface="+mn-cs"/>
-              </a:defRPr>
-            </a:lvl1pPr>
-            <a:lvl2pPr marL="396079" indent="-144029" algn="l" defTabSz="914446" rtl="0" eaLnBrk="1" latinLnBrk="0" hangingPunct="1">
-              <a:lnSpc>
-                <a:spcPct val="150000"/>
-              </a:lnSpc>
-              <a:spcBef>
-                <a:spcPts val="0"/>
-              </a:spcBef>
-              <a:spcAft>
-                <a:spcPts val="600"/>
-              </a:spcAft>
-              <a:buSzPct val="100000"/>
-              <a:buFont typeface="Arial" panose="020B0604020202020204" pitchFamily="34" charset="0"/>
-              <a:buChar char="◦"/>
-              <a:defRPr sz="1800" kern="1200">
-                <a:solidFill>
-                  <a:schemeClr val="lt1"/>
-                </a:solidFill>
-                <a:latin typeface="+mn-lt"/>
-                <a:ea typeface="+mn-ea"/>
-                <a:cs typeface="+mn-cs"/>
-              </a:defRPr>
-            </a:lvl2pPr>
-            <a:lvl3pPr marL="522104" indent="-108022" algn="l" defTabSz="914446" rtl="0" eaLnBrk="1" latinLnBrk="0" hangingPunct="1">
-              <a:lnSpc>
-                <a:spcPct val="150000"/>
-              </a:lnSpc>
-              <a:spcBef>
-                <a:spcPts val="300"/>
-              </a:spcBef>
-              <a:spcAft>
-                <a:spcPts val="400"/>
-              </a:spcAft>
-              <a:buFont typeface="Open Sans" panose="020B0606030504020204" pitchFamily="34" charset="0"/>
-              <a:buChar char="­"/>
-              <a:defRPr sz="1400" kern="1200">
-                <a:solidFill>
-                  <a:schemeClr val="lt1"/>
-                </a:solidFill>
-                <a:latin typeface="+mn-lt"/>
-                <a:ea typeface="+mn-ea"/>
-                <a:cs typeface="+mn-cs"/>
-              </a:defRPr>
-            </a:lvl3pPr>
-            <a:lvl4pPr marL="666133" indent="-99020" algn="l" defTabSz="914446" rtl="0" eaLnBrk="1" latinLnBrk="0" hangingPunct="1">
-              <a:lnSpc>
-                <a:spcPct val="150000"/>
-              </a:lnSpc>
-              <a:spcBef>
-                <a:spcPts val="250"/>
-              </a:spcBef>
-              <a:buFont typeface="Open Sans" panose="020B0606030504020204" pitchFamily="34" charset="0"/>
-              <a:buChar char="­"/>
-              <a:defRPr sz="1050" kern="1200">
-                <a:solidFill>
-                  <a:schemeClr val="lt1"/>
-                </a:solidFill>
-                <a:latin typeface="+mn-lt"/>
-                <a:ea typeface="+mn-ea"/>
-                <a:cs typeface="+mn-cs"/>
-              </a:defRPr>
-            </a:lvl4pPr>
-            <a:lvl5pPr marL="774155" indent="-90018" algn="l" defTabSz="914446" rtl="0" eaLnBrk="1" latinLnBrk="0" hangingPunct="1">
-              <a:lnSpc>
-                <a:spcPct val="150000"/>
-              </a:lnSpc>
-              <a:spcBef>
-                <a:spcPts val="250"/>
-              </a:spcBef>
-              <a:buFont typeface="Open Sans" panose="020B0606030504020204" pitchFamily="34" charset="0"/>
-              <a:buChar char="­"/>
-              <a:defRPr sz="1000" kern="1200">
-                <a:solidFill>
-                  <a:schemeClr val="lt1"/>
-                </a:solidFill>
-                <a:latin typeface="+mn-lt"/>
-                <a:ea typeface="+mn-ea"/>
-                <a:cs typeface="+mn-cs"/>
-              </a:defRPr>
-            </a:lvl5pPr>
-            <a:lvl6pPr marL="2514726" indent="-228611" algn="l" defTabSz="914446" rtl="0" eaLnBrk="1" latinLnBrk="0" hangingPunct="1">
-              <a:lnSpc>
-                <a:spcPct val="90000"/>
-              </a:lnSpc>
-              <a:spcBef>
-                <a:spcPts val="500"/>
-              </a:spcBef>
-              <a:buFont typeface="Arial" panose="020B0604020202020204" pitchFamily="34" charset="0"/>
-              <a:buChar char="•"/>
-              <a:defRPr sz="1800" kern="1200">
-                <a:solidFill>
-                  <a:schemeClr val="lt1"/>
-                </a:solidFill>
-                <a:latin typeface="+mn-lt"/>
-                <a:ea typeface="+mn-ea"/>
-                <a:cs typeface="+mn-cs"/>
-              </a:defRPr>
-            </a:lvl6pPr>
-            <a:lvl7pPr marL="2971948" indent="-228611" algn="l" defTabSz="914446" rtl="0" eaLnBrk="1" latinLnBrk="0" hangingPunct="1">
-              <a:lnSpc>
-                <a:spcPct val="90000"/>
-              </a:lnSpc>
-              <a:spcBef>
-                <a:spcPts val="500"/>
-              </a:spcBef>
-              <a:buFont typeface="Arial" panose="020B0604020202020204" pitchFamily="34" charset="0"/>
-              <a:buChar char="•"/>
-              <a:defRPr sz="1800" kern="1200">
-                <a:solidFill>
-                  <a:schemeClr val="lt1"/>
-                </a:solidFill>
-                <a:latin typeface="+mn-lt"/>
-                <a:ea typeface="+mn-ea"/>
-                <a:cs typeface="+mn-cs"/>
-              </a:defRPr>
-            </a:lvl7pPr>
-            <a:lvl8pPr marL="3429171" indent="-228611" algn="l" defTabSz="914446" rtl="0" eaLnBrk="1" latinLnBrk="0" hangingPunct="1">
-              <a:lnSpc>
-                <a:spcPct val="90000"/>
-              </a:lnSpc>
-              <a:spcBef>
-                <a:spcPts val="500"/>
-              </a:spcBef>
-              <a:buFont typeface="Arial" panose="020B0604020202020204" pitchFamily="34" charset="0"/>
-              <a:buChar char="•"/>
-              <a:defRPr sz="1800" kern="1200">
-                <a:solidFill>
-                  <a:schemeClr val="lt1"/>
-                </a:solidFill>
-                <a:latin typeface="+mn-lt"/>
-                <a:ea typeface="+mn-ea"/>
-                <a:cs typeface="+mn-cs"/>
-              </a:defRPr>
-            </a:lvl8pPr>
-            <a:lvl9pPr marL="3886394" indent="-228611" algn="l" defTabSz="914446" rtl="0" eaLnBrk="1" latinLnBrk="0" hangingPunct="1">
-              <a:lnSpc>
-                <a:spcPct val="90000"/>
-              </a:lnSpc>
-              <a:spcBef>
-                <a:spcPts val="500"/>
-              </a:spcBef>
-              <a:buFont typeface="Arial" panose="020B0604020202020204" pitchFamily="34" charset="0"/>
-              <a:buChar char="•"/>
-              <a:defRPr sz="1800" kern="1200">
-                <a:solidFill>
-                  <a:schemeClr val="lt1"/>
-                </a:solidFill>
-                <a:latin typeface="+mn-lt"/>
-                <a:ea typeface="+mn-ea"/>
-                <a:cs typeface="+mn-cs"/>
-              </a:defRPr>
-            </a:lvl9pPr>
-          </a:lstStyle>
-          <a:p>
-            <a:pPr marL="0" indent="0">
-              <a:lnSpc>
-                <a:spcPct val="100000"/>
-              </a:lnSpc>
-              <a:buNone/>
-            </a:pPr>
-            <a:r>
-              <a:rPr lang="en-US" sz="1200" dirty="0">
-                <a:solidFill>
-                  <a:schemeClr val="tx1"/>
-                </a:solidFill>
-              </a:rPr>
-              <a:t>Although we have the correct singleton method</a:t>
-            </a:r>
-            <a:endParaRPr lang="en-US" sz="1200" dirty="0">
-              <a:solidFill>
-                <a:schemeClr val="tx1"/>
-              </a:solidFill>
-              <a:latin typeface="Lucida Console" panose="020B0609040504020204" pitchFamily="49" charset="0"/>
-            </a:endParaRPr>
-          </a:p>
-        </p:txBody>
-      </p:sp>
-      <p:sp>
-        <p:nvSpPr>
-          <p:cNvPr id="10" name="Bildeforklaring formet som et avrundet rektangel 5">
-            <a:extLst>
-              <a:ext uri="{FF2B5EF4-FFF2-40B4-BE49-F238E27FC236}">
-                <a16:creationId xmlns:a16="http://schemas.microsoft.com/office/drawing/2014/main" id="{55F64A85-0ECB-8B13-BF99-AEA7970ECB2E}"/>
-              </a:ext>
-            </a:extLst>
-          </p:cNvPr>
-          <p:cNvSpPr txBox="1">
-            <a:spLocks/>
-          </p:cNvSpPr>
-          <p:nvPr/>
-        </p:nvSpPr>
-        <p:spPr>
-          <a:xfrm>
-            <a:off x="4249795" y="5678859"/>
-            <a:ext cx="1636365" cy="403377"/>
-          </a:xfrm>
-          <a:prstGeom prst="wedgeRoundRectCallout">
-            <a:avLst>
-              <a:gd name="adj1" fmla="val -62400"/>
-              <a:gd name="adj2" fmla="val -101882"/>
-              <a:gd name="adj3" fmla="val 16667"/>
-            </a:avLst>
-          </a:prstGeom>
-          <a:solidFill>
-            <a:srgbClr val="FFFAEB"/>
-          </a:solidFill>
-        </p:spPr>
-        <p:style>
-          <a:lnRef idx="2">
-            <a:schemeClr val="accent1">
-              <a:shade val="50000"/>
-            </a:schemeClr>
-          </a:lnRef>
-          <a:fillRef idx="1">
-            <a:schemeClr val="accent1"/>
-          </a:fillRef>
-          <a:effectRef idx="0">
-            <a:schemeClr val="accent1"/>
-          </a:effectRef>
-          <a:fontRef idx="minor">
-            <a:schemeClr val="lt1"/>
-          </a:fontRef>
-        </p:style>
-        <p:txBody>
-          <a:bodyPr vert="horz" lIns="91440" tIns="45720" rIns="91440" bIns="45720" rtlCol="0" anchor="ctr">
-            <a:noAutofit/>
-          </a:bodyPr>
-          <a:lstStyle>
-            <a:lvl1pPr marL="228611" indent="-228611" algn="l" defTabSz="914446" rtl="0" eaLnBrk="1" latinLnBrk="0" hangingPunct="1">
-              <a:lnSpc>
-                <a:spcPct val="150000"/>
-              </a:lnSpc>
-              <a:spcBef>
-                <a:spcPts val="0"/>
-              </a:spcBef>
-              <a:spcAft>
-                <a:spcPts val="900"/>
-              </a:spcAft>
-              <a:buFont typeface="Arial" panose="020B0604020202020204" pitchFamily="34" charset="0"/>
-              <a:buChar char="•"/>
-              <a:defRPr sz="2400" kern="1200">
-                <a:solidFill>
-                  <a:schemeClr val="lt1"/>
-                </a:solidFill>
-                <a:latin typeface="+mn-lt"/>
-                <a:ea typeface="+mn-ea"/>
-                <a:cs typeface="+mn-cs"/>
-              </a:defRPr>
-            </a:lvl1pPr>
-            <a:lvl2pPr marL="396079" indent="-144029" algn="l" defTabSz="914446" rtl="0" eaLnBrk="1" latinLnBrk="0" hangingPunct="1">
-              <a:lnSpc>
-                <a:spcPct val="150000"/>
-              </a:lnSpc>
-              <a:spcBef>
-                <a:spcPts val="0"/>
-              </a:spcBef>
-              <a:spcAft>
-                <a:spcPts val="600"/>
-              </a:spcAft>
-              <a:buSzPct val="100000"/>
-              <a:buFont typeface="Arial" panose="020B0604020202020204" pitchFamily="34" charset="0"/>
-              <a:buChar char="◦"/>
-              <a:defRPr sz="1800" kern="1200">
-                <a:solidFill>
-                  <a:schemeClr val="lt1"/>
-                </a:solidFill>
-                <a:latin typeface="+mn-lt"/>
-                <a:ea typeface="+mn-ea"/>
-                <a:cs typeface="+mn-cs"/>
-              </a:defRPr>
-            </a:lvl2pPr>
-            <a:lvl3pPr marL="522104" indent="-108022" algn="l" defTabSz="914446" rtl="0" eaLnBrk="1" latinLnBrk="0" hangingPunct="1">
-              <a:lnSpc>
-                <a:spcPct val="150000"/>
-              </a:lnSpc>
-              <a:spcBef>
-                <a:spcPts val="300"/>
-              </a:spcBef>
-              <a:spcAft>
-                <a:spcPts val="400"/>
-              </a:spcAft>
-              <a:buFont typeface="Open Sans" panose="020B0606030504020204" pitchFamily="34" charset="0"/>
-              <a:buChar char="­"/>
-              <a:defRPr sz="1400" kern="1200">
-                <a:solidFill>
-                  <a:schemeClr val="lt1"/>
-                </a:solidFill>
-                <a:latin typeface="+mn-lt"/>
-                <a:ea typeface="+mn-ea"/>
-                <a:cs typeface="+mn-cs"/>
-              </a:defRPr>
-            </a:lvl3pPr>
-            <a:lvl4pPr marL="666133" indent="-99020" algn="l" defTabSz="914446" rtl="0" eaLnBrk="1" latinLnBrk="0" hangingPunct="1">
-              <a:lnSpc>
-                <a:spcPct val="150000"/>
-              </a:lnSpc>
-              <a:spcBef>
-                <a:spcPts val="250"/>
-              </a:spcBef>
-              <a:buFont typeface="Open Sans" panose="020B0606030504020204" pitchFamily="34" charset="0"/>
-              <a:buChar char="­"/>
-              <a:defRPr sz="1050" kern="1200">
-                <a:solidFill>
-                  <a:schemeClr val="lt1"/>
-                </a:solidFill>
-                <a:latin typeface="+mn-lt"/>
-                <a:ea typeface="+mn-ea"/>
-                <a:cs typeface="+mn-cs"/>
-              </a:defRPr>
-            </a:lvl4pPr>
-            <a:lvl5pPr marL="774155" indent="-90018" algn="l" defTabSz="914446" rtl="0" eaLnBrk="1" latinLnBrk="0" hangingPunct="1">
-              <a:lnSpc>
-                <a:spcPct val="150000"/>
-              </a:lnSpc>
-              <a:spcBef>
-                <a:spcPts val="250"/>
-              </a:spcBef>
-              <a:buFont typeface="Open Sans" panose="020B0606030504020204" pitchFamily="34" charset="0"/>
-              <a:buChar char="­"/>
-              <a:defRPr sz="1000" kern="1200">
-                <a:solidFill>
-                  <a:schemeClr val="lt1"/>
-                </a:solidFill>
-                <a:latin typeface="+mn-lt"/>
-                <a:ea typeface="+mn-ea"/>
-                <a:cs typeface="+mn-cs"/>
-              </a:defRPr>
-            </a:lvl5pPr>
-            <a:lvl6pPr marL="2514726" indent="-228611" algn="l" defTabSz="914446" rtl="0" eaLnBrk="1" latinLnBrk="0" hangingPunct="1">
-              <a:lnSpc>
-                <a:spcPct val="90000"/>
-              </a:lnSpc>
-              <a:spcBef>
-                <a:spcPts val="500"/>
-              </a:spcBef>
-              <a:buFont typeface="Arial" panose="020B0604020202020204" pitchFamily="34" charset="0"/>
-              <a:buChar char="•"/>
-              <a:defRPr sz="1800" kern="1200">
-                <a:solidFill>
-                  <a:schemeClr val="lt1"/>
-                </a:solidFill>
-                <a:latin typeface="+mn-lt"/>
-                <a:ea typeface="+mn-ea"/>
-                <a:cs typeface="+mn-cs"/>
-              </a:defRPr>
-            </a:lvl6pPr>
-            <a:lvl7pPr marL="2971948" indent="-228611" algn="l" defTabSz="914446" rtl="0" eaLnBrk="1" latinLnBrk="0" hangingPunct="1">
-              <a:lnSpc>
-                <a:spcPct val="90000"/>
-              </a:lnSpc>
-              <a:spcBef>
-                <a:spcPts val="500"/>
-              </a:spcBef>
-              <a:buFont typeface="Arial" panose="020B0604020202020204" pitchFamily="34" charset="0"/>
-              <a:buChar char="•"/>
-              <a:defRPr sz="1800" kern="1200">
-                <a:solidFill>
-                  <a:schemeClr val="lt1"/>
-                </a:solidFill>
-                <a:latin typeface="+mn-lt"/>
-                <a:ea typeface="+mn-ea"/>
-                <a:cs typeface="+mn-cs"/>
-              </a:defRPr>
-            </a:lvl7pPr>
-            <a:lvl8pPr marL="3429171" indent="-228611" algn="l" defTabSz="914446" rtl="0" eaLnBrk="1" latinLnBrk="0" hangingPunct="1">
-              <a:lnSpc>
-                <a:spcPct val="90000"/>
-              </a:lnSpc>
-              <a:spcBef>
-                <a:spcPts val="500"/>
-              </a:spcBef>
-              <a:buFont typeface="Arial" panose="020B0604020202020204" pitchFamily="34" charset="0"/>
-              <a:buChar char="•"/>
-              <a:defRPr sz="1800" kern="1200">
-                <a:solidFill>
-                  <a:schemeClr val="lt1"/>
-                </a:solidFill>
-                <a:latin typeface="+mn-lt"/>
-                <a:ea typeface="+mn-ea"/>
-                <a:cs typeface="+mn-cs"/>
-              </a:defRPr>
-            </a:lvl8pPr>
-            <a:lvl9pPr marL="3886394" indent="-228611" algn="l" defTabSz="914446" rtl="0" eaLnBrk="1" latinLnBrk="0" hangingPunct="1">
-              <a:lnSpc>
-                <a:spcPct val="90000"/>
-              </a:lnSpc>
-              <a:spcBef>
-                <a:spcPts val="500"/>
-              </a:spcBef>
-              <a:buFont typeface="Arial" panose="020B0604020202020204" pitchFamily="34" charset="0"/>
-              <a:buChar char="•"/>
-              <a:defRPr sz="1800" kern="1200">
-                <a:solidFill>
-                  <a:schemeClr val="lt1"/>
-                </a:solidFill>
-                <a:latin typeface="+mn-lt"/>
-                <a:ea typeface="+mn-ea"/>
-                <a:cs typeface="+mn-cs"/>
-              </a:defRPr>
-            </a:lvl9pPr>
-          </a:lstStyle>
-          <a:p>
-            <a:pPr marL="0" indent="0">
-              <a:lnSpc>
-                <a:spcPct val="100000"/>
-              </a:lnSpc>
-              <a:buNone/>
-            </a:pPr>
-            <a:r>
-              <a:rPr lang="en-US" sz="1200" dirty="0">
-                <a:solidFill>
-                  <a:schemeClr val="tx1"/>
-                </a:solidFill>
-              </a:rPr>
-              <a:t>Do you see how?</a:t>
-            </a:r>
-            <a:endParaRPr lang="en-US" sz="1200" dirty="0">
-              <a:solidFill>
-                <a:schemeClr val="tx1"/>
-              </a:solidFill>
-              <a:latin typeface="Lucida Console" panose="020B0609040504020204" pitchFamily="49" charset="0"/>
-            </a:endParaRPr>
-          </a:p>
-        </p:txBody>
-      </p:sp>
-    </p:spTree>
-    <p:extLst>
-      <p:ext uri="{BB962C8B-B14F-4D97-AF65-F5344CB8AC3E}">
-        <p14:creationId xmlns:p14="http://schemas.microsoft.com/office/powerpoint/2010/main" val="2216171083"/>
-      </p:ext>
-    </p:extLst>
-  </p:cSld>
-  <p:clrMapOvr>
-    <a:masterClrMapping/>
-  </p:clrMapOvr>
-  <p:timing>
-    <p:tnLst>
-      <p:par>
-        <p:cTn id="1" dur="indefinite" restart="never" nodeType="tmRoot">
-          <p:childTnLst>
-            <p:seq concurrent="1" nextAc="seek">
-              <p:cTn id="2" dur="indefinite" nodeType="mainSeq">
-                <p:childTnLst>
-                  <p:par>
-                    <p:cTn id="3" fill="hold">
-                      <p:stCondLst>
-                        <p:cond delay="indefinite"/>
-                      </p:stCondLst>
-                      <p:childTnLst>
-                        <p:par>
-                          <p:cTn id="4" fill="hold">
-                            <p:stCondLst>
-                              <p:cond delay="0"/>
-                            </p:stCondLst>
-                            <p:childTnLst>
-                              <p:par>
-                                <p:cTn id="5" presetID="53" presetClass="entr" presetSubtype="16" fill="hold" nodeType="clickEffect">
-                                  <p:stCondLst>
-                                    <p:cond delay="0"/>
-                                  </p:stCondLst>
-                                  <p:childTnLst>
-                                    <p:set>
-                                      <p:cBhvr>
-                                        <p:cTn id="6" dur="1" fill="hold">
-                                          <p:stCondLst>
-                                            <p:cond delay="0"/>
-                                          </p:stCondLst>
-                                        </p:cTn>
-                                        <p:tgtEl>
-                                          <p:spTgt spid="6"/>
-                                        </p:tgtEl>
-                                        <p:attrNameLst>
-                                          <p:attrName>style.visibility</p:attrName>
-                                        </p:attrNameLst>
-                                      </p:cBhvr>
-                                      <p:to>
-                                        <p:strVal val="visible"/>
-                                      </p:to>
-                                    </p:set>
-                                    <p:anim calcmode="lin" valueType="num">
-                                      <p:cBhvr>
-                                        <p:cTn id="7" dur="500" fill="hold"/>
-                                        <p:tgtEl>
-                                          <p:spTgt spid="6"/>
-                                        </p:tgtEl>
-                                        <p:attrNameLst>
-                                          <p:attrName>ppt_w</p:attrName>
-                                        </p:attrNameLst>
-                                      </p:cBhvr>
-                                      <p:tavLst>
-                                        <p:tav tm="0">
-                                          <p:val>
-                                            <p:fltVal val="0"/>
-                                          </p:val>
-                                        </p:tav>
-                                        <p:tav tm="100000">
-                                          <p:val>
-                                            <p:strVal val="#ppt_w"/>
-                                          </p:val>
-                                        </p:tav>
-                                      </p:tavLst>
-                                    </p:anim>
-                                    <p:anim calcmode="lin" valueType="num">
-                                      <p:cBhvr>
-                                        <p:cTn id="8" dur="500" fill="hold"/>
-                                        <p:tgtEl>
-                                          <p:spTgt spid="6"/>
-                                        </p:tgtEl>
-                                        <p:attrNameLst>
-                                          <p:attrName>ppt_h</p:attrName>
-                                        </p:attrNameLst>
-                                      </p:cBhvr>
-                                      <p:tavLst>
-                                        <p:tav tm="0">
-                                          <p:val>
-                                            <p:fltVal val="0"/>
-                                          </p:val>
-                                        </p:tav>
-                                        <p:tav tm="100000">
-                                          <p:val>
-                                            <p:strVal val="#ppt_h"/>
-                                          </p:val>
-                                        </p:tav>
-                                      </p:tavLst>
-                                    </p:anim>
-                                    <p:animEffect transition="in" filter="fade">
-                                      <p:cBhvr>
-                                        <p:cTn id="9" dur="500"/>
-                                        <p:tgtEl>
-                                          <p:spTgt spid="6"/>
-                                        </p:tgtEl>
-                                      </p:cBhvr>
-                                    </p:animEffect>
-                                  </p:childTnLst>
-                                </p:cTn>
-                              </p:par>
-                            </p:childTnLst>
-                          </p:cTn>
-                        </p:par>
-                      </p:childTnLst>
-                    </p:cTn>
-                  </p:par>
-                  <p:par>
-                    <p:cTn id="10" fill="hold">
-                      <p:stCondLst>
-                        <p:cond delay="indefinite"/>
-                      </p:stCondLst>
-                      <p:childTnLst>
-                        <p:par>
-                          <p:cTn id="11" fill="hold">
-                            <p:stCondLst>
-                              <p:cond delay="0"/>
-                            </p:stCondLst>
-                            <p:childTnLst>
-                              <p:par>
-                                <p:cTn id="12" presetID="1" presetClass="entr" presetSubtype="0" fill="hold" grpId="0" nodeType="clickEffect">
-                                  <p:stCondLst>
-                                    <p:cond delay="0"/>
-                                  </p:stCondLst>
-                                  <p:childTnLst>
-                                    <p:set>
-                                      <p:cBhvr>
-                                        <p:cTn id="13" dur="1" fill="hold">
-                                          <p:stCondLst>
-                                            <p:cond delay="9"/>
-                                          </p:stCondLst>
-                                        </p:cTn>
-                                        <p:tgtEl>
-                                          <p:spTgt spid="4"/>
-                                        </p:tgtEl>
-                                        <p:attrNameLst>
-                                          <p:attrName>style.visibility</p:attrName>
-                                        </p:attrNameLst>
-                                      </p:cBhvr>
-                                      <p:to>
-                                        <p:strVal val="visible"/>
-                                      </p:to>
-                                    </p:set>
-                                  </p:childTnLst>
-                                  <p:subTnLst>
-                                    <p:set>
-                                      <p:cBhvr override="childStyle">
-                                        <p:cTn dur="1" fill="hold" display="0" masterRel="nextClick" afterEffect="1"/>
-                                        <p:tgtEl>
-                                          <p:spTgt spid="4"/>
-                                        </p:tgtEl>
-                                        <p:attrNameLst>
-                                          <p:attrName>style.visibility</p:attrName>
-                                        </p:attrNameLst>
-                                      </p:cBhvr>
-                                      <p:to>
-                                        <p:strVal val="hidden"/>
-                                      </p:to>
-                                    </p:set>
-                                  </p:subTnLst>
-                                </p:cTn>
-                              </p:par>
-                            </p:childTnLst>
-                          </p:cTn>
-                        </p:par>
-                      </p:childTnLst>
-                    </p:cTn>
-                  </p:par>
-                  <p:par>
-                    <p:cTn id="14" fill="hold">
-                      <p:stCondLst>
-                        <p:cond delay="indefinite"/>
-                      </p:stCondLst>
-                      <p:childTnLst>
-                        <p:par>
-                          <p:cTn id="15" fill="hold">
-                            <p:stCondLst>
-                              <p:cond delay="0"/>
-                            </p:stCondLst>
-                            <p:childTnLst>
-                              <p:par>
-                                <p:cTn id="16" presetID="53" presetClass="exit" presetSubtype="32" fill="hold" nodeType="clickEffect">
-                                  <p:stCondLst>
-                                    <p:cond delay="0"/>
-                                  </p:stCondLst>
-                                  <p:childTnLst>
-                                    <p:anim calcmode="lin" valueType="num">
-                                      <p:cBhvr>
-                                        <p:cTn id="17" dur="500"/>
-                                        <p:tgtEl>
-                                          <p:spTgt spid="6"/>
-                                        </p:tgtEl>
-                                        <p:attrNameLst>
-                                          <p:attrName>ppt_w</p:attrName>
-                                        </p:attrNameLst>
-                                      </p:cBhvr>
-                                      <p:tavLst>
-                                        <p:tav tm="0">
-                                          <p:val>
-                                            <p:strVal val="ppt_w"/>
-                                          </p:val>
-                                        </p:tav>
-                                        <p:tav tm="100000">
-                                          <p:val>
-                                            <p:fltVal val="0"/>
-                                          </p:val>
-                                        </p:tav>
-                                      </p:tavLst>
-                                    </p:anim>
-                                    <p:anim calcmode="lin" valueType="num">
-                                      <p:cBhvr>
-                                        <p:cTn id="18" dur="500"/>
-                                        <p:tgtEl>
-                                          <p:spTgt spid="6"/>
-                                        </p:tgtEl>
-                                        <p:attrNameLst>
-                                          <p:attrName>ppt_h</p:attrName>
-                                        </p:attrNameLst>
-                                      </p:cBhvr>
-                                      <p:tavLst>
-                                        <p:tav tm="0">
-                                          <p:val>
-                                            <p:strVal val="ppt_h"/>
-                                          </p:val>
-                                        </p:tav>
-                                        <p:tav tm="100000">
-                                          <p:val>
-                                            <p:fltVal val="0"/>
-                                          </p:val>
-                                        </p:tav>
-                                      </p:tavLst>
-                                    </p:anim>
-                                    <p:animEffect transition="out" filter="fade">
-                                      <p:cBhvr>
-                                        <p:cTn id="19" dur="500"/>
-                                        <p:tgtEl>
-                                          <p:spTgt spid="6"/>
-                                        </p:tgtEl>
-                                      </p:cBhvr>
-                                    </p:animEffect>
-                                    <p:set>
-                                      <p:cBhvr>
-                                        <p:cTn id="20" dur="1" fill="hold">
-                                          <p:stCondLst>
-                                            <p:cond delay="499"/>
-                                          </p:stCondLst>
-                                        </p:cTn>
-                                        <p:tgtEl>
-                                          <p:spTgt spid="6"/>
-                                        </p:tgtEl>
-                                        <p:attrNameLst>
-                                          <p:attrName>style.visibility</p:attrName>
-                                        </p:attrNameLst>
-                                      </p:cBhvr>
-                                      <p:to>
-                                        <p:strVal val="hidden"/>
-                                      </p:to>
-                                    </p:set>
-                                  </p:childTnLst>
-                                </p:cTn>
-                              </p:par>
-                            </p:childTnLst>
-                          </p:cTn>
-                        </p:par>
-                      </p:childTnLst>
-                    </p:cTn>
-                  </p:par>
-                  <p:par>
-                    <p:cTn id="21" fill="hold">
-                      <p:stCondLst>
-                        <p:cond delay="indefinite"/>
-                      </p:stCondLst>
-                      <p:childTnLst>
-                        <p:par>
-                          <p:cTn id="22" fill="hold">
-                            <p:stCondLst>
-                              <p:cond delay="0"/>
-                            </p:stCondLst>
-                            <p:childTnLst>
-                              <p:par>
-                                <p:cTn id="23" presetID="1" presetClass="entr" presetSubtype="0" fill="hold" grpId="0" nodeType="clickEffect">
-                                  <p:stCondLst>
-                                    <p:cond delay="0"/>
-                                  </p:stCondLst>
-                                  <p:childTnLst>
-                                    <p:set>
-                                      <p:cBhvr>
-                                        <p:cTn id="24" dur="1" fill="hold">
-                                          <p:stCondLst>
-                                            <p:cond delay="9"/>
-                                          </p:stCondLst>
-                                        </p:cTn>
-                                        <p:tgtEl>
-                                          <p:spTgt spid="8"/>
-                                        </p:tgtEl>
-                                        <p:attrNameLst>
-                                          <p:attrName>style.visibility</p:attrName>
-                                        </p:attrNameLst>
-                                      </p:cBhvr>
-                                      <p:to>
-                                        <p:strVal val="visible"/>
-                                      </p:to>
-                                    </p:set>
-                                  </p:childTnLst>
-                                  <p:subTnLst>
-                                    <p:set>
-                                      <p:cBhvr override="childStyle">
-                                        <p:cTn dur="1" fill="hold" display="0" masterRel="nextClick" afterEffect="1"/>
-                                        <p:tgtEl>
-                                          <p:spTgt spid="8"/>
-                                        </p:tgtEl>
-                                        <p:attrNameLst>
-                                          <p:attrName>style.visibility</p:attrName>
-                                        </p:attrNameLst>
-                                      </p:cBhvr>
-                                      <p:to>
-                                        <p:strVal val="hidden"/>
-                                      </p:to>
-                                    </p:set>
-                                  </p:subTnLst>
-                                </p:cTn>
-                              </p:par>
-                            </p:childTnLst>
-                          </p:cTn>
-                        </p:par>
-                      </p:childTnLst>
-                    </p:cTn>
-                  </p:par>
-                  <p:par>
-                    <p:cTn id="25" fill="hold">
-                      <p:stCondLst>
-                        <p:cond delay="indefinite"/>
-                      </p:stCondLst>
-                      <p:childTnLst>
-                        <p:par>
-                          <p:cTn id="26" fill="hold">
-                            <p:stCondLst>
-                              <p:cond delay="0"/>
-                            </p:stCondLst>
-                            <p:childTnLst>
-                              <p:par>
-                                <p:cTn id="27" presetID="1" presetClass="entr" presetSubtype="0" fill="hold" grpId="0" nodeType="clickEffect">
-                                  <p:stCondLst>
-                                    <p:cond delay="0"/>
-                                  </p:stCondLst>
-                                  <p:childTnLst>
-                                    <p:set>
-                                      <p:cBhvr>
-                                        <p:cTn id="28" dur="1" fill="hold">
-                                          <p:stCondLst>
-                                            <p:cond delay="9"/>
-                                          </p:stCondLst>
-                                        </p:cTn>
-                                        <p:tgtEl>
-                                          <p:spTgt spid="9"/>
-                                        </p:tgtEl>
-                                        <p:attrNameLst>
-                                          <p:attrName>style.visibility</p:attrName>
-                                        </p:attrNameLst>
-                                      </p:cBhvr>
-                                      <p:to>
-                                        <p:strVal val="visible"/>
-                                      </p:to>
-                                    </p:set>
-                                  </p:childTnLst>
-                                  <p:subTnLst>
-                                    <p:set>
-                                      <p:cBhvr override="childStyle">
-                                        <p:cTn dur="1" fill="hold" display="0" masterRel="nextClick" afterEffect="1"/>
-                                        <p:tgtEl>
-                                          <p:spTgt spid="9"/>
-                                        </p:tgtEl>
-                                        <p:attrNameLst>
-                                          <p:attrName>style.visibility</p:attrName>
-                                        </p:attrNameLst>
-                                      </p:cBhvr>
-                                      <p:to>
-                                        <p:strVal val="hidden"/>
-                                      </p:to>
-                                    </p:set>
-                                  </p:subTnLst>
-                                </p:cTn>
-                              </p:par>
-                            </p:childTnLst>
-                          </p:cTn>
-                        </p:par>
-                      </p:childTnLst>
-                    </p:cTn>
-                  </p:par>
-                  <p:par>
-                    <p:cTn id="29" fill="hold">
-                      <p:stCondLst>
-                        <p:cond delay="indefinite"/>
-                      </p:stCondLst>
-                      <p:childTnLst>
-                        <p:par>
-                          <p:cTn id="30" fill="hold">
-                            <p:stCondLst>
-                              <p:cond delay="0"/>
-                            </p:stCondLst>
-                            <p:childTnLst>
-                              <p:par>
-                                <p:cTn id="31" presetID="1" presetClass="entr" presetSubtype="0" fill="hold" grpId="0" nodeType="clickEffect">
-                                  <p:stCondLst>
-                                    <p:cond delay="0"/>
-                                  </p:stCondLst>
-                                  <p:childTnLst>
-                                    <p:set>
-                                      <p:cBhvr>
-                                        <p:cTn id="32" dur="1" fill="hold">
-                                          <p:stCondLst>
-                                            <p:cond delay="9"/>
-                                          </p:stCondLst>
-                                        </p:cTn>
-                                        <p:tgtEl>
-                                          <p:spTgt spid="10"/>
-                                        </p:tgtEl>
-                                        <p:attrNameLst>
-                                          <p:attrName>style.visibility</p:attrName>
-                                        </p:attrNameLst>
-                                      </p:cBhvr>
-                                      <p:to>
-                                        <p:strVal val="visible"/>
-                                      </p:to>
-                                    </p:set>
-                                  </p:childTnLst>
-                                  <p:subTnLst>
-                                    <p:set>
-                                      <p:cBhvr override="childStyle">
-                                        <p:cTn dur="1" fill="hold" display="0" masterRel="nextClick" afterEffect="1"/>
-                                        <p:tgtEl>
-                                          <p:spTgt spid="10"/>
-                                        </p:tgtEl>
-                                        <p:attrNameLst>
-                                          <p:attrName>style.visibility</p:attrName>
-                                        </p:attrNameLst>
-                                      </p:cBhvr>
-                                      <p:to>
-                                        <p:strVal val="hidden"/>
-                                      </p:to>
-                                    </p:set>
-                                  </p:subTnLst>
-                                </p:cTn>
-                              </p:par>
-                            </p:childTnLst>
-                          </p:cTn>
-                        </p:par>
-                      </p:childTnLst>
-                    </p:cTn>
-                  </p:par>
-                </p:childTnLst>
-              </p:cTn>
-              <p:prevCondLst>
-                <p:cond evt="onPrev" delay="0">
-                  <p:tgtEl>
-                    <p:sldTgt/>
-                  </p:tgtEl>
-                </p:cond>
-              </p:prevCondLst>
-              <p:nextCondLst>
-                <p:cond evt="onNext" delay="0">
-                  <p:tgtEl>
-                    <p:sldTgt/>
-                  </p:tgtEl>
-                </p:cond>
-              </p:nextCondLst>
-            </p:seq>
-          </p:childTnLst>
-        </p:cTn>
-      </p:par>
-    </p:tnLst>
-    <p:bldLst>
-      <p:bldP spid="4" grpId="0" animBg="1"/>
-      <p:bldP spid="8" grpId="0" animBg="1"/>
-      <p:bldP spid="9" grpId="0" animBg="1"/>
-      <p:bldP spid="10" grpId="0" animBg="1"/>
-    </p:bldLst>
-  </p:timing>
-</p:sld>
-</file>
-
-<file path=ppt/slides/slide15.xml><?xml version="1.0" encoding="utf-8"?>
-<p:sld xmlns:a="http://schemas.openxmlformats.org/drawingml/2006/main" xmlns:r="http://schemas.openxmlformats.org/officeDocument/2006/relationships" xmlns:p="http://schemas.openxmlformats.org/presentationml/2006/main">
-  <p:cSld>
-    <p:spTree>
-      <p:nvGrpSpPr>
-        <p:cNvPr id="1" name=""/>
-        <p:cNvGrpSpPr/>
-        <p:nvPr/>
-      </p:nvGrpSpPr>
-      <p:grpSpPr>
-        <a:xfrm>
-          <a:off x="0" y="0"/>
-          <a:ext cx="0" cy="0"/>
-          <a:chOff x="0" y="0"/>
-          <a:chExt cx="0" cy="0"/>
-        </a:xfrm>
-      </p:grpSpPr>
-      <p:sp>
-        <p:nvSpPr>
-          <p:cNvPr id="2" name="Tittel 1">
-            <a:extLst>
-              <a:ext uri="{FF2B5EF4-FFF2-40B4-BE49-F238E27FC236}">
-                <a16:creationId xmlns:a16="http://schemas.microsoft.com/office/drawing/2014/main" id="{57A317F4-ABC0-37BA-D00F-F4A3EADECF3B}"/>
-              </a:ext>
-            </a:extLst>
-          </p:cNvPr>
-          <p:cNvSpPr>
-            <a:spLocks noGrp="1"/>
-          </p:cNvSpPr>
-          <p:nvPr>
-            <p:ph type="title"/>
-          </p:nvPr>
-        </p:nvSpPr>
-        <p:spPr>
-          <a:xfrm>
-            <a:off x="530208" y="344777"/>
-            <a:ext cx="9651619" cy="854762"/>
-          </a:xfrm>
-        </p:spPr>
-        <p:txBody>
           <a:bodyPr/>
           <a:lstStyle/>
           <a:p>
@@ -15294,7 +13023,7 @@
         <p:spPr>
           <a:xfrm>
             <a:off x="6523849" y="1199539"/>
-            <a:ext cx="5565792" cy="5478423"/>
+            <a:ext cx="5565792" cy="5909310"/>
           </a:xfrm>
           <a:prstGeom prst="rect">
             <a:avLst/>
@@ -15313,7 +13042,7 @@
               <a:rPr lang="en-US" sz="1400" dirty="0">
                 <a:latin typeface="Lucida Console" panose="020B0609040504020204" pitchFamily="49" charset="0"/>
               </a:rPr>
-              <a:t>age      geo </a:t>
+              <a:t>     age      geo </a:t>
             </a:r>
             <a:r>
               <a:rPr lang="en-US" sz="1400" dirty="0" err="1">
@@ -15373,7 +13102,7 @@
               <a:rPr lang="en-US" sz="1400" dirty="0">
                 <a:latin typeface="Lucida Console" panose="020B0609040504020204" pitchFamily="49" charset="0"/>
               </a:rPr>
-              <a:t>    5       -          -</a:t>
+              <a:t>    5       -       TRUE</a:t>
             </a:r>
           </a:p>
           <a:p>
@@ -15398,7 +13127,7 @@
               <a:rPr lang="en-US" sz="1400" dirty="0">
                 <a:latin typeface="Lucida Console" panose="020B0609040504020204" pitchFamily="49" charset="0"/>
               </a:rPr>
-              <a:t>5  Total  Iceland    5       -          -</a:t>
+              <a:t>5  Total  Iceland    5       -       TRUE</a:t>
             </a:r>
           </a:p>
           <a:p>
@@ -15467,7 +13196,7 @@
               <a:rPr lang="en-US" sz="1400" dirty="0">
                 <a:latin typeface="Lucida Console" panose="020B0609040504020204" pitchFamily="49" charset="0"/>
               </a:rPr>
-              <a:t>    3       -          -</a:t>
+              <a:t>    3       -       TRUE</a:t>
             </a:r>
           </a:p>
           <a:p>
@@ -15492,7 +13221,7 @@
               <a:rPr lang="en-US" sz="1400" dirty="0">
                 <a:latin typeface="Lucida Console" panose="020B0609040504020204" pitchFamily="49" charset="0"/>
               </a:rPr>
-              <a:t>13   old  Iceland    3       -          -</a:t>
+              <a:t>13   old  Iceland    3       -       TRUE</a:t>
             </a:r>
           </a:p>
           <a:p>
@@ -15561,7 +13290,7 @@
               <a:rPr lang="en-US" sz="1400" dirty="0">
                 <a:latin typeface="Lucida Console" panose="020B0609040504020204" pitchFamily="49" charset="0"/>
               </a:rPr>
-              <a:t>    2       -          -</a:t>
+              <a:t>    2       -       TRUE</a:t>
             </a:r>
           </a:p>
           <a:p>
@@ -15586,7 +13315,7 @@
               <a:rPr lang="en-US" sz="1400" dirty="0">
                 <a:latin typeface="Lucida Console" panose="020B0609040504020204" pitchFamily="49" charset="0"/>
               </a:rPr>
-              <a:t>21 young  Iceland    2       -          -</a:t>
+              <a:t>21 young  Iceland    2       -       TRUE</a:t>
             </a:r>
           </a:p>
           <a:p>
@@ -15631,50 +13360,13 @@
               <a:t>24 young    Spain    5       -       TRUE</a:t>
             </a:r>
           </a:p>
+          <a:p>
+            <a:endParaRPr lang="en-US" sz="1400" dirty="0">
+              <a:latin typeface="Lucida Console" panose="020B0609040504020204" pitchFamily="49" charset="0"/>
+            </a:endParaRPr>
+          </a:p>
         </p:txBody>
       </p:sp>
-      <p:pic>
-        <p:nvPicPr>
-          <p:cNvPr id="4" name="Bilde 3">
-            <a:extLst>
-              <a:ext uri="{FF2B5EF4-FFF2-40B4-BE49-F238E27FC236}">
-                <a16:creationId xmlns:a16="http://schemas.microsoft.com/office/drawing/2014/main" id="{3AA2C05D-590A-638A-80CE-23EFC0AB18E5}"/>
-              </a:ext>
-            </a:extLst>
-          </p:cNvPr>
-          <p:cNvPicPr>
-            <a:picLocks noChangeAspect="1"/>
-          </p:cNvPicPr>
-          <p:nvPr/>
-        </p:nvPicPr>
-        <p:blipFill>
-          <a:blip r:embed="rId2">
-            <a:extLst>
-              <a:ext uri="{28A0092B-C50C-407E-A947-70E740481C1C}">
-                <a14:useLocalDpi xmlns:a14="http://schemas.microsoft.com/office/drawing/2010/main" val="0"/>
-              </a:ext>
-            </a:extLst>
-          </a:blip>
-          <a:srcRect/>
-          <a:stretch/>
-        </p:blipFill>
-        <p:spPr>
-          <a:xfrm>
-            <a:off x="3260155" y="1199539"/>
-            <a:ext cx="7728994" cy="5313684"/>
-          </a:xfrm>
-          <a:prstGeom prst="rect">
-            <a:avLst/>
-          </a:prstGeom>
-          <a:effectLst>
-            <a:outerShdw blurRad="596900" dist="406400" dir="4200000" algn="t" rotWithShape="0">
-              <a:prstClr val="black">
-                <a:alpha val="40000"/>
-              </a:prstClr>
-            </a:outerShdw>
-          </a:effectLst>
-        </p:spPr>
-      </p:pic>
       <p:sp>
         <p:nvSpPr>
           <p:cNvPr id="6" name="Bildeforklaring formet som et avrundet rektangel 5">
@@ -15960,6 +13652,48 @@
           </a:p>
         </p:txBody>
       </p:sp>
+      <p:pic>
+        <p:nvPicPr>
+          <p:cNvPr id="4" name="Bilde 3">
+            <a:extLst>
+              <a:ext uri="{FF2B5EF4-FFF2-40B4-BE49-F238E27FC236}">
+                <a16:creationId xmlns:a16="http://schemas.microsoft.com/office/drawing/2014/main" id="{3AA2C05D-590A-638A-80CE-23EFC0AB18E5}"/>
+              </a:ext>
+            </a:extLst>
+          </p:cNvPr>
+          <p:cNvPicPr>
+            <a:picLocks noChangeAspect="1"/>
+          </p:cNvPicPr>
+          <p:nvPr/>
+        </p:nvPicPr>
+        <p:blipFill>
+          <a:blip r:embed="rId2">
+            <a:extLst>
+              <a:ext uri="{28A0092B-C50C-407E-A947-70E740481C1C}">
+                <a14:useLocalDpi xmlns:a14="http://schemas.microsoft.com/office/drawing/2010/main" val="0"/>
+              </a:ext>
+            </a:extLst>
+          </a:blip>
+          <a:srcRect/>
+          <a:stretch/>
+        </p:blipFill>
+        <p:spPr>
+          <a:xfrm>
+            <a:off x="3260155" y="1199539"/>
+            <a:ext cx="7728994" cy="5313684"/>
+          </a:xfrm>
+          <a:prstGeom prst="rect">
+            <a:avLst/>
+          </a:prstGeom>
+          <a:effectLst>
+            <a:outerShdw blurRad="596900" dist="406400" dir="4200000" algn="t" rotWithShape="0">
+              <a:prstClr val="black">
+                <a:alpha val="40000"/>
+              </a:prstClr>
+            </a:outerShdw>
+          </a:effectLst>
+        </p:spPr>
+      </p:pic>
     </p:spTree>
     <p:extLst>
       <p:ext uri="{BB962C8B-B14F-4D97-AF65-F5344CB8AC3E}">
@@ -16265,7 +13999,7 @@
 </p:sld>
 </file>
 
-<file path=ppt/slides/slide16.xml><?xml version="1.0" encoding="utf-8"?>
+<file path=ppt/slides/slide15.xml><?xml version="1.0" encoding="utf-8"?>
 <p:sld xmlns:a="http://schemas.openxmlformats.org/drawingml/2006/main" xmlns:r="http://schemas.openxmlformats.org/officeDocument/2006/relationships" xmlns:p="http://schemas.openxmlformats.org/presentationml/2006/main">
   <p:cSld>
     <p:spTree>
@@ -17234,7 +14968,7 @@
 </p:sld>
 </file>
 
-<file path=ppt/slides/slide17.xml><?xml version="1.0" encoding="utf-8"?>
+<file path=ppt/slides/slide16.xml><?xml version="1.0" encoding="utf-8"?>
 <p:sld xmlns:a="http://schemas.openxmlformats.org/drawingml/2006/main" xmlns:r="http://schemas.openxmlformats.org/officeDocument/2006/relationships" xmlns:p="http://schemas.openxmlformats.org/presentationml/2006/main">
   <p:cSld>
     <p:spTree>
@@ -19104,7 +16838,7 @@
 </p:sld>
 </file>
 
-<file path=ppt/slides/slide18.xml><?xml version="1.0" encoding="utf-8"?>
+<file path=ppt/slides/slide17.xml><?xml version="1.0" encoding="utf-8"?>
 <p:sld xmlns:a="http://schemas.openxmlformats.org/drawingml/2006/main" xmlns:r="http://schemas.openxmlformats.org/officeDocument/2006/relationships" xmlns:p="http://schemas.openxmlformats.org/presentationml/2006/main">
   <p:cSld>
     <p:spTree>
@@ -19356,7 +17090,7 @@
 </p:sld>
 </file>
 
-<file path=ppt/slides/slide19.xml><?xml version="1.0" encoding="utf-8"?>
+<file path=ppt/slides/slide18.xml><?xml version="1.0" encoding="utf-8"?>
 <p:sld xmlns:a="http://schemas.openxmlformats.org/drawingml/2006/main" xmlns:r="http://schemas.openxmlformats.org/officeDocument/2006/relationships" xmlns:p="http://schemas.openxmlformats.org/presentationml/2006/main">
   <p:cSld>
     <p:spTree>
@@ -20190,191 +17924,7 @@
 </p:sld>
 </file>
 
-<file path=ppt/slides/slide2.xml><?xml version="1.0" encoding="utf-8"?>
-<p:sld xmlns:a="http://schemas.openxmlformats.org/drawingml/2006/main" xmlns:r="http://schemas.openxmlformats.org/officeDocument/2006/relationships" xmlns:p="http://schemas.openxmlformats.org/presentationml/2006/main">
-  <p:cSld>
-    <p:spTree>
-      <p:nvGrpSpPr>
-        <p:cNvPr id="1" name=""/>
-        <p:cNvGrpSpPr/>
-        <p:nvPr/>
-      </p:nvGrpSpPr>
-      <p:grpSpPr>
-        <a:xfrm>
-          <a:off x="0" y="0"/>
-          <a:ext cx="0" cy="0"/>
-          <a:chOff x="0" y="0"/>
-          <a:chExt cx="0" cy="0"/>
-        </a:xfrm>
-      </p:grpSpPr>
-      <p:sp>
-        <p:nvSpPr>
-          <p:cNvPr id="2" name="Tittel 1">
-            <a:extLst>
-              <a:ext uri="{FF2B5EF4-FFF2-40B4-BE49-F238E27FC236}">
-                <a16:creationId xmlns:a16="http://schemas.microsoft.com/office/drawing/2014/main" id="{3D6C224F-D0A4-B2C4-0353-C00038A5D92E}"/>
-              </a:ext>
-            </a:extLst>
-          </p:cNvPr>
-          <p:cNvSpPr>
-            <a:spLocks noGrp="1"/>
-          </p:cNvSpPr>
-          <p:nvPr>
-            <p:ph type="title"/>
-          </p:nvPr>
-        </p:nvSpPr>
-        <p:spPr>
-          <a:xfrm>
-            <a:off x="1763486" y="410547"/>
-            <a:ext cx="3602431" cy="1446244"/>
-          </a:xfrm>
-        </p:spPr>
-        <p:txBody>
-          <a:bodyPr/>
-          <a:lstStyle/>
-          <a:p>
-            <a:r>
-              <a:rPr lang="en-US" dirty="0"/>
-              <a:t>Contents </a:t>
-            </a:r>
-          </a:p>
-        </p:txBody>
-      </p:sp>
-      <p:sp>
-        <p:nvSpPr>
-          <p:cNvPr id="3" name="Plassholder for innhold 2">
-            <a:extLst>
-              <a:ext uri="{FF2B5EF4-FFF2-40B4-BE49-F238E27FC236}">
-                <a16:creationId xmlns:a16="http://schemas.microsoft.com/office/drawing/2014/main" id="{E7B2CA1E-B74C-3C16-38F9-76C82627E002}"/>
-              </a:ext>
-            </a:extLst>
-          </p:cNvPr>
-          <p:cNvSpPr>
-            <a:spLocks noGrp="1"/>
-          </p:cNvSpPr>
-          <p:nvPr>
-            <p:ph sz="quarter" idx="11"/>
-          </p:nvPr>
-        </p:nvSpPr>
-        <p:spPr>
-          <a:xfrm>
-            <a:off x="1564592" y="1549425"/>
-            <a:ext cx="9651619" cy="4636772"/>
-          </a:xfrm>
-        </p:spPr>
-        <p:txBody>
-          <a:bodyPr/>
-          <a:lstStyle/>
-          <a:p>
-            <a:pPr marL="0" indent="0">
-              <a:lnSpc>
-                <a:spcPct val="100000"/>
-              </a:lnSpc>
-              <a:buNone/>
-            </a:pPr>
-            <a:endParaRPr lang="en-US" dirty="0"/>
-          </a:p>
-          <a:p>
-            <a:pPr>
-              <a:lnSpc>
-                <a:spcPct val="100000"/>
-              </a:lnSpc>
-            </a:pPr>
-            <a:r>
-              <a:rPr lang="en-US" dirty="0"/>
-              <a:t>Microdata or frequency data</a:t>
-            </a:r>
-          </a:p>
-          <a:p>
-            <a:pPr>
-              <a:lnSpc>
-                <a:spcPct val="100000"/>
-              </a:lnSpc>
-            </a:pPr>
-            <a:r>
-              <a:rPr lang="en-US" dirty="0"/>
-              <a:t>Advanced hierarchy examples</a:t>
-            </a:r>
-          </a:p>
-          <a:p>
-            <a:pPr lvl="1">
-              <a:lnSpc>
-                <a:spcPct val="100000"/>
-              </a:lnSpc>
-            </a:pPr>
-            <a:r>
-              <a:rPr lang="en-US" dirty="0"/>
-              <a:t>which is also the preamble to structural 0’s</a:t>
-            </a:r>
-          </a:p>
-          <a:p>
-            <a:pPr>
-              <a:lnSpc>
-                <a:spcPct val="100000"/>
-              </a:lnSpc>
-            </a:pPr>
-            <a:r>
-              <a:rPr lang="en-US" dirty="0"/>
-              <a:t>Theory: What happens from input to output?</a:t>
-            </a:r>
-          </a:p>
-          <a:p>
-            <a:pPr>
-              <a:lnSpc>
-                <a:spcPct val="100000"/>
-              </a:lnSpc>
-            </a:pPr>
-            <a:r>
-              <a:rPr lang="en-US" dirty="0"/>
-              <a:t>Structural zeros</a:t>
-            </a:r>
-          </a:p>
-          <a:p>
-            <a:pPr lvl="1">
-              <a:lnSpc>
-                <a:spcPct val="100000"/>
-              </a:lnSpc>
-            </a:pPr>
-            <a:r>
-              <a:rPr lang="en-US" dirty="0"/>
-              <a:t>Key lessons for formula interface users</a:t>
-            </a:r>
-          </a:p>
-          <a:p>
-            <a:pPr lvl="1">
-              <a:lnSpc>
-                <a:spcPct val="100000"/>
-              </a:lnSpc>
-            </a:pPr>
-            <a:endParaRPr lang="en-US" dirty="0"/>
-          </a:p>
-          <a:p>
-            <a:pPr>
-              <a:lnSpc>
-                <a:spcPct val="100000"/>
-              </a:lnSpc>
-            </a:pPr>
-            <a:r>
-              <a:rPr lang="en-US" dirty="0"/>
-              <a:t>The content is mainly relevant for frequency tables</a:t>
-            </a:r>
-          </a:p>
-        </p:txBody>
-      </p:sp>
-    </p:spTree>
-    <p:extLst>
-      <p:ext uri="{BB962C8B-B14F-4D97-AF65-F5344CB8AC3E}">
-        <p14:creationId xmlns:p14="http://schemas.microsoft.com/office/powerpoint/2010/main" val="3817464376"/>
-      </p:ext>
-    </p:extLst>
-  </p:cSld>
-  <p:clrMapOvr>
-    <a:masterClrMapping/>
-  </p:clrMapOvr>
-</p:sld>
-</file>
-
-<file path=ppt/slides/slide20.xml><?xml version="1.0" encoding="utf-8"?>
+<file path=ppt/slides/slide19.xml><?xml version="1.0" encoding="utf-8"?>
 <p:sld xmlns:a="http://schemas.openxmlformats.org/drawingml/2006/main" xmlns:r="http://schemas.openxmlformats.org/officeDocument/2006/relationships" xmlns:p="http://schemas.openxmlformats.org/presentationml/2006/main">
   <p:cSld>
     <p:spTree>
@@ -20789,7 +18339,191 @@
 </p:sld>
 </file>
 
-<file path=ppt/slides/slide21.xml><?xml version="1.0" encoding="utf-8"?>
+<file path=ppt/slides/slide2.xml><?xml version="1.0" encoding="utf-8"?>
+<p:sld xmlns:a="http://schemas.openxmlformats.org/drawingml/2006/main" xmlns:r="http://schemas.openxmlformats.org/officeDocument/2006/relationships" xmlns:p="http://schemas.openxmlformats.org/presentationml/2006/main">
+  <p:cSld>
+    <p:spTree>
+      <p:nvGrpSpPr>
+        <p:cNvPr id="1" name=""/>
+        <p:cNvGrpSpPr/>
+        <p:nvPr/>
+      </p:nvGrpSpPr>
+      <p:grpSpPr>
+        <a:xfrm>
+          <a:off x="0" y="0"/>
+          <a:ext cx="0" cy="0"/>
+          <a:chOff x="0" y="0"/>
+          <a:chExt cx="0" cy="0"/>
+        </a:xfrm>
+      </p:grpSpPr>
+      <p:sp>
+        <p:nvSpPr>
+          <p:cNvPr id="2" name="Tittel 1">
+            <a:extLst>
+              <a:ext uri="{FF2B5EF4-FFF2-40B4-BE49-F238E27FC236}">
+                <a16:creationId xmlns:a16="http://schemas.microsoft.com/office/drawing/2014/main" id="{3D6C224F-D0A4-B2C4-0353-C00038A5D92E}"/>
+              </a:ext>
+            </a:extLst>
+          </p:cNvPr>
+          <p:cNvSpPr>
+            <a:spLocks noGrp="1"/>
+          </p:cNvSpPr>
+          <p:nvPr>
+            <p:ph type="title"/>
+          </p:nvPr>
+        </p:nvSpPr>
+        <p:spPr>
+          <a:xfrm>
+            <a:off x="1763486" y="410547"/>
+            <a:ext cx="3602431" cy="1446244"/>
+          </a:xfrm>
+        </p:spPr>
+        <p:txBody>
+          <a:bodyPr/>
+          <a:lstStyle/>
+          <a:p>
+            <a:r>
+              <a:rPr lang="en-US" dirty="0"/>
+              <a:t>Contents </a:t>
+            </a:r>
+          </a:p>
+        </p:txBody>
+      </p:sp>
+      <p:sp>
+        <p:nvSpPr>
+          <p:cNvPr id="3" name="Plassholder for innhold 2">
+            <a:extLst>
+              <a:ext uri="{FF2B5EF4-FFF2-40B4-BE49-F238E27FC236}">
+                <a16:creationId xmlns:a16="http://schemas.microsoft.com/office/drawing/2014/main" id="{E7B2CA1E-B74C-3C16-38F9-76C82627E002}"/>
+              </a:ext>
+            </a:extLst>
+          </p:cNvPr>
+          <p:cNvSpPr>
+            <a:spLocks noGrp="1"/>
+          </p:cNvSpPr>
+          <p:nvPr>
+            <p:ph sz="quarter" idx="11"/>
+          </p:nvPr>
+        </p:nvSpPr>
+        <p:spPr>
+          <a:xfrm>
+            <a:off x="1564592" y="1549425"/>
+            <a:ext cx="9651619" cy="4636772"/>
+          </a:xfrm>
+        </p:spPr>
+        <p:txBody>
+          <a:bodyPr/>
+          <a:lstStyle/>
+          <a:p>
+            <a:pPr marL="0" indent="0">
+              <a:lnSpc>
+                <a:spcPct val="100000"/>
+              </a:lnSpc>
+              <a:buNone/>
+            </a:pPr>
+            <a:endParaRPr lang="en-US" dirty="0"/>
+          </a:p>
+          <a:p>
+            <a:pPr>
+              <a:lnSpc>
+                <a:spcPct val="100000"/>
+              </a:lnSpc>
+            </a:pPr>
+            <a:r>
+              <a:rPr lang="en-US" dirty="0"/>
+              <a:t>Microdata or frequency data</a:t>
+            </a:r>
+          </a:p>
+          <a:p>
+            <a:pPr>
+              <a:lnSpc>
+                <a:spcPct val="100000"/>
+              </a:lnSpc>
+            </a:pPr>
+            <a:r>
+              <a:rPr lang="en-US" dirty="0"/>
+              <a:t>Advanced hierarchy examples</a:t>
+            </a:r>
+          </a:p>
+          <a:p>
+            <a:pPr lvl="1">
+              <a:lnSpc>
+                <a:spcPct val="100000"/>
+              </a:lnSpc>
+            </a:pPr>
+            <a:r>
+              <a:rPr lang="en-US" dirty="0"/>
+              <a:t>which is also the preamble to structural 0’s</a:t>
+            </a:r>
+          </a:p>
+          <a:p>
+            <a:pPr>
+              <a:lnSpc>
+                <a:spcPct val="100000"/>
+              </a:lnSpc>
+            </a:pPr>
+            <a:r>
+              <a:rPr lang="en-US" dirty="0"/>
+              <a:t>Theory: What happens from input to output?</a:t>
+            </a:r>
+          </a:p>
+          <a:p>
+            <a:pPr>
+              <a:lnSpc>
+                <a:spcPct val="100000"/>
+              </a:lnSpc>
+            </a:pPr>
+            <a:r>
+              <a:rPr lang="en-US" dirty="0"/>
+              <a:t>Structural zeros</a:t>
+            </a:r>
+          </a:p>
+          <a:p>
+            <a:pPr lvl="1">
+              <a:lnSpc>
+                <a:spcPct val="100000"/>
+              </a:lnSpc>
+            </a:pPr>
+            <a:r>
+              <a:rPr lang="en-US" dirty="0"/>
+              <a:t>Key lessons for formula interface users</a:t>
+            </a:r>
+          </a:p>
+          <a:p>
+            <a:pPr lvl="1">
+              <a:lnSpc>
+                <a:spcPct val="100000"/>
+              </a:lnSpc>
+            </a:pPr>
+            <a:endParaRPr lang="en-US" dirty="0"/>
+          </a:p>
+          <a:p>
+            <a:pPr>
+              <a:lnSpc>
+                <a:spcPct val="100000"/>
+              </a:lnSpc>
+            </a:pPr>
+            <a:r>
+              <a:rPr lang="en-US" dirty="0"/>
+              <a:t>The content is mainly relevant for frequency tables</a:t>
+            </a:r>
+          </a:p>
+        </p:txBody>
+      </p:sp>
+    </p:spTree>
+    <p:extLst>
+      <p:ext uri="{BB962C8B-B14F-4D97-AF65-F5344CB8AC3E}">
+        <p14:creationId xmlns:p14="http://schemas.microsoft.com/office/powerpoint/2010/main" val="3817464376"/>
+      </p:ext>
+    </p:extLst>
+  </p:cSld>
+  <p:clrMapOvr>
+    <a:masterClrMapping/>
+  </p:clrMapOvr>
+</p:sld>
+</file>
+
+<file path=ppt/slides/slide20.xml><?xml version="1.0" encoding="utf-8"?>
 <p:sld xmlns:a="http://schemas.openxmlformats.org/drawingml/2006/main" xmlns:r="http://schemas.openxmlformats.org/officeDocument/2006/relationships" xmlns:p="http://schemas.openxmlformats.org/presentationml/2006/main">
   <p:cSld>
     <p:spTree>
@@ -21875,7 +19609,7 @@
 </p:sld>
 </file>
 
-<file path=ppt/slides/slide22.xml><?xml version="1.0" encoding="utf-8"?>
+<file path=ppt/slides/slide21.xml><?xml version="1.0" encoding="utf-8"?>
 <p:sld xmlns:a="http://schemas.openxmlformats.org/drawingml/2006/main" xmlns:r="http://schemas.openxmlformats.org/officeDocument/2006/relationships" xmlns:p="http://schemas.openxmlformats.org/presentationml/2006/main">
   <p:cSld>
     <p:spTree>
@@ -22409,7 +20143,7 @@
 </p:sld>
 </file>
 
-<file path=ppt/slides/slide23.xml><?xml version="1.0" encoding="utf-8"?>
+<file path=ppt/slides/slide22.xml><?xml version="1.0" encoding="utf-8"?>
 <p:sld xmlns:a="http://schemas.openxmlformats.org/drawingml/2006/main" xmlns:r="http://schemas.openxmlformats.org/officeDocument/2006/relationships" xmlns:p="http://schemas.openxmlformats.org/presentationml/2006/main">
   <p:cSld>
     <p:spTree>
@@ -23334,7 +21068,7 @@
 </p:sld>
 </file>
 
-<file path=ppt/slides/slide24.xml><?xml version="1.0" encoding="utf-8"?>
+<file path=ppt/slides/slide23.xml><?xml version="1.0" encoding="utf-8"?>
 <p:sld xmlns:a="http://schemas.openxmlformats.org/drawingml/2006/main" xmlns:r="http://schemas.openxmlformats.org/officeDocument/2006/relationships" xmlns:p="http://schemas.openxmlformats.org/presentationml/2006/main">
   <p:cSld>
     <p:spTree>
@@ -25740,7 +23474,7 @@
 </p:sld>
 </file>
 
-<file path=ppt/slides/slide25.xml><?xml version="1.0" encoding="utf-8"?>
+<file path=ppt/slides/slide24.xml><?xml version="1.0" encoding="utf-8"?>
 <p:sld xmlns:a="http://schemas.openxmlformats.org/drawingml/2006/main" xmlns:r="http://schemas.openxmlformats.org/officeDocument/2006/relationships" xmlns:p="http://schemas.openxmlformats.org/presentationml/2006/main">
   <p:cSld>
     <p:spTree>
@@ -25892,7 +23626,7 @@
 </p:sld>
 </file>
 
-<file path=ppt/slides/slide26.xml><?xml version="1.0" encoding="utf-8"?>
+<file path=ppt/slides/slide25.xml><?xml version="1.0" encoding="utf-8"?>
 <p:sld xmlns:a="http://schemas.openxmlformats.org/drawingml/2006/main" xmlns:r="http://schemas.openxmlformats.org/officeDocument/2006/relationships" xmlns:p="http://schemas.openxmlformats.org/presentationml/2006/main">
   <p:cSld>
     <p:spTree>
@@ -26546,7 +24280,7 @@
 </p:sld>
 </file>
 
-<file path=ppt/slides/slide27.xml><?xml version="1.0" encoding="utf-8"?>
+<file path=ppt/slides/slide26.xml><?xml version="1.0" encoding="utf-8"?>
 <p:sld xmlns:a="http://schemas.openxmlformats.org/drawingml/2006/main" xmlns:r="http://schemas.openxmlformats.org/officeDocument/2006/relationships" xmlns:p="http://schemas.openxmlformats.org/presentationml/2006/main">
   <p:cSld>
     <p:spTree>
@@ -27003,7 +24737,7 @@
 </p:sld>
 </file>
 
-<file path=ppt/slides/slide28.xml><?xml version="1.0" encoding="utf-8"?>
+<file path=ppt/slides/slide27.xml><?xml version="1.0" encoding="utf-8"?>
 <p:sld xmlns:a="http://schemas.openxmlformats.org/drawingml/2006/main" xmlns:r="http://schemas.openxmlformats.org/officeDocument/2006/relationships" xmlns:p="http://schemas.openxmlformats.org/presentationml/2006/main">
   <p:cSld>
     <p:spTree>
@@ -27061,7 +24795,7 @@
 </p:sld>
 </file>
 
-<file path=ppt/slides/slide29.xml><?xml version="1.0" encoding="utf-8"?>
+<file path=ppt/slides/slide28.xml><?xml version="1.0" encoding="utf-8"?>
 <p:sld xmlns:a="http://schemas.openxmlformats.org/drawingml/2006/main" xmlns:r="http://schemas.openxmlformats.org/officeDocument/2006/relationships" xmlns:p="http://schemas.openxmlformats.org/presentationml/2006/main">
   <p:cSld>
     <p:spTree>
@@ -27503,79 +25237,7 @@
 </p:sld>
 </file>
 
-<file path=ppt/slides/slide3.xml><?xml version="1.0" encoding="utf-8"?>
-<p:sld xmlns:a="http://schemas.openxmlformats.org/drawingml/2006/main" xmlns:r="http://schemas.openxmlformats.org/officeDocument/2006/relationships" xmlns:p="http://schemas.openxmlformats.org/presentationml/2006/main">
-  <p:cSld>
-    <p:spTree>
-      <p:nvGrpSpPr>
-        <p:cNvPr id="1" name=""/>
-        <p:cNvGrpSpPr/>
-        <p:nvPr/>
-      </p:nvGrpSpPr>
-      <p:grpSpPr>
-        <a:xfrm>
-          <a:off x="0" y="0"/>
-          <a:ext cx="0" cy="0"/>
-          <a:chOff x="0" y="0"/>
-          <a:chExt cx="0" cy="0"/>
-        </a:xfrm>
-      </p:grpSpPr>
-      <p:sp>
-        <p:nvSpPr>
-          <p:cNvPr id="4" name="Tittel 3">
-            <a:extLst>
-              <a:ext uri="{FF2B5EF4-FFF2-40B4-BE49-F238E27FC236}">
-                <a16:creationId xmlns:a16="http://schemas.microsoft.com/office/drawing/2014/main" id="{6F3074FC-DA6C-6EF9-18FB-A9514CC0948A}"/>
-              </a:ext>
-            </a:extLst>
-          </p:cNvPr>
-          <p:cNvSpPr>
-            <a:spLocks noGrp="1"/>
-          </p:cNvSpPr>
-          <p:nvPr>
-            <p:ph type="ctrTitle"/>
-          </p:nvPr>
-        </p:nvSpPr>
-        <p:spPr/>
-        <p:txBody>
-          <a:bodyPr>
-            <a:normAutofit fontScale="90000"/>
-          </a:bodyPr>
-          <a:lstStyle/>
-          <a:p>
-            <a:r>
-              <a:rPr lang="nb-NO" dirty="0"/>
-              <a:t>Microdata or </a:t>
-            </a:r>
-            <a:r>
-              <a:rPr lang="nb-NO" dirty="0" err="1"/>
-              <a:t>frequency</a:t>
-            </a:r>
-            <a:r>
-              <a:rPr lang="nb-NO" dirty="0"/>
-              <a:t> data</a:t>
-            </a:r>
-            <a:br>
-              <a:rPr lang="nb-NO" dirty="0"/>
-            </a:br>
-            <a:endParaRPr lang="en-GB" dirty="0"/>
-          </a:p>
-        </p:txBody>
-      </p:sp>
-    </p:spTree>
-    <p:extLst>
-      <p:ext uri="{BB962C8B-B14F-4D97-AF65-F5344CB8AC3E}">
-        <p14:creationId xmlns:p14="http://schemas.microsoft.com/office/powerpoint/2010/main" val="3334216578"/>
-      </p:ext>
-    </p:extLst>
-  </p:cSld>
-  <p:clrMapOvr>
-    <a:masterClrMapping/>
-  </p:clrMapOvr>
-</p:sld>
-</file>
-
-<file path=ppt/slides/slide30.xml><?xml version="1.0" encoding="utf-8"?>
+<file path=ppt/slides/slide29.xml><?xml version="1.0" encoding="utf-8"?>
 <p:sld xmlns:a="http://schemas.openxmlformats.org/drawingml/2006/main" xmlns:r="http://schemas.openxmlformats.org/officeDocument/2006/relationships" xmlns:p="http://schemas.openxmlformats.org/presentationml/2006/main">
   <p:cSld>
     <p:spTree>
@@ -28616,7 +26278,79 @@
 </p:sld>
 </file>
 
-<file path=ppt/slides/slide31.xml><?xml version="1.0" encoding="utf-8"?>
+<file path=ppt/slides/slide3.xml><?xml version="1.0" encoding="utf-8"?>
+<p:sld xmlns:a="http://schemas.openxmlformats.org/drawingml/2006/main" xmlns:r="http://schemas.openxmlformats.org/officeDocument/2006/relationships" xmlns:p="http://schemas.openxmlformats.org/presentationml/2006/main">
+  <p:cSld>
+    <p:spTree>
+      <p:nvGrpSpPr>
+        <p:cNvPr id="1" name=""/>
+        <p:cNvGrpSpPr/>
+        <p:nvPr/>
+      </p:nvGrpSpPr>
+      <p:grpSpPr>
+        <a:xfrm>
+          <a:off x="0" y="0"/>
+          <a:ext cx="0" cy="0"/>
+          <a:chOff x="0" y="0"/>
+          <a:chExt cx="0" cy="0"/>
+        </a:xfrm>
+      </p:grpSpPr>
+      <p:sp>
+        <p:nvSpPr>
+          <p:cNvPr id="4" name="Tittel 3">
+            <a:extLst>
+              <a:ext uri="{FF2B5EF4-FFF2-40B4-BE49-F238E27FC236}">
+                <a16:creationId xmlns:a16="http://schemas.microsoft.com/office/drawing/2014/main" id="{6F3074FC-DA6C-6EF9-18FB-A9514CC0948A}"/>
+              </a:ext>
+            </a:extLst>
+          </p:cNvPr>
+          <p:cNvSpPr>
+            <a:spLocks noGrp="1"/>
+          </p:cNvSpPr>
+          <p:nvPr>
+            <p:ph type="ctrTitle"/>
+          </p:nvPr>
+        </p:nvSpPr>
+        <p:spPr/>
+        <p:txBody>
+          <a:bodyPr>
+            <a:normAutofit fontScale="90000"/>
+          </a:bodyPr>
+          <a:lstStyle/>
+          <a:p>
+            <a:r>
+              <a:rPr lang="nb-NO" dirty="0"/>
+              <a:t>Microdata or </a:t>
+            </a:r>
+            <a:r>
+              <a:rPr lang="nb-NO" dirty="0" err="1"/>
+              <a:t>frequency</a:t>
+            </a:r>
+            <a:r>
+              <a:rPr lang="nb-NO" dirty="0"/>
+              <a:t> data</a:t>
+            </a:r>
+            <a:br>
+              <a:rPr lang="nb-NO" dirty="0"/>
+            </a:br>
+            <a:endParaRPr lang="en-GB" dirty="0"/>
+          </a:p>
+        </p:txBody>
+      </p:sp>
+    </p:spTree>
+    <p:extLst>
+      <p:ext uri="{BB962C8B-B14F-4D97-AF65-F5344CB8AC3E}">
+        <p14:creationId xmlns:p14="http://schemas.microsoft.com/office/powerpoint/2010/main" val="3334216578"/>
+      </p:ext>
+    </p:extLst>
+  </p:cSld>
+  <p:clrMapOvr>
+    <a:masterClrMapping/>
+  </p:clrMapOvr>
+</p:sld>
+</file>
+
+<file path=ppt/slides/slide30.xml><?xml version="1.0" encoding="utf-8"?>
 <p:sld xmlns:a="http://schemas.openxmlformats.org/drawingml/2006/main" xmlns:r="http://schemas.openxmlformats.org/officeDocument/2006/relationships" xmlns:p="http://schemas.openxmlformats.org/presentationml/2006/main">
   <p:cSld>
     <p:spTree>
@@ -29862,7 +27596,7 @@
 </p:sld>
 </file>
 
-<file path=ppt/slides/slide32.xml><?xml version="1.0" encoding="utf-8"?>
+<file path=ppt/slides/slide31.xml><?xml version="1.0" encoding="utf-8"?>
 <p:sld xmlns:a="http://schemas.openxmlformats.org/drawingml/2006/main" xmlns:r="http://schemas.openxmlformats.org/officeDocument/2006/relationships" xmlns:p="http://schemas.openxmlformats.org/presentationml/2006/main">
   <p:cSld>
     <p:spTree>
@@ -29934,7 +27668,7 @@
 </p:sld>
 </file>
 
-<file path=ppt/slides/slide33.xml><?xml version="1.0" encoding="utf-8"?>
+<file path=ppt/slides/slide32.xml><?xml version="1.0" encoding="utf-8"?>
 <p:sld xmlns:a="http://schemas.openxmlformats.org/drawingml/2006/main" xmlns:r="http://schemas.openxmlformats.org/officeDocument/2006/relationships" xmlns:p="http://schemas.openxmlformats.org/presentationml/2006/main">
   <p:cSld>
     <p:spTree>
@@ -30223,7 +27957,7 @@
 </p:sld>
 </file>
 
-<file path=ppt/slides/slide34.xml><?xml version="1.0" encoding="utf-8"?>
+<file path=ppt/slides/slide33.xml><?xml version="1.0" encoding="utf-8"?>
 <p:sld xmlns:a="http://schemas.openxmlformats.org/drawingml/2006/main" xmlns:r="http://schemas.openxmlformats.org/officeDocument/2006/relationships" xmlns:p="http://schemas.openxmlformats.org/presentationml/2006/main">
   <p:cSld>
     <p:spTree>
@@ -30788,7 +28522,7 @@
 </p:sld>
 </file>
 
-<file path=ppt/slides/slide35.xml><?xml version="1.0" encoding="utf-8"?>
+<file path=ppt/slides/slide34.xml><?xml version="1.0" encoding="utf-8"?>
 <p:sld xmlns:a="http://schemas.openxmlformats.org/drawingml/2006/main" xmlns:r="http://schemas.openxmlformats.org/officeDocument/2006/relationships" xmlns:p="http://schemas.openxmlformats.org/presentationml/2006/main">
   <p:cSld>
     <p:spTree>
@@ -31125,7 +28859,7 @@
 </p:sld>
 </file>
 
-<file path=ppt/slides/slide36.xml><?xml version="1.0" encoding="utf-8"?>
+<file path=ppt/slides/slide35.xml><?xml version="1.0" encoding="utf-8"?>
 <p:sld xmlns:a="http://schemas.openxmlformats.org/drawingml/2006/main" xmlns:r="http://schemas.openxmlformats.org/officeDocument/2006/relationships" xmlns:p="http://schemas.openxmlformats.org/presentationml/2006/main">
   <p:cSld>
     <p:spTree>
@@ -31336,7 +29070,7 @@
 </p:sld>
 </file>
 
-<file path=ppt/slides/slide37.xml><?xml version="1.0" encoding="utf-8"?>
+<file path=ppt/slides/slide36.xml><?xml version="1.0" encoding="utf-8"?>
 <p:sld xmlns:a="http://schemas.openxmlformats.org/drawingml/2006/main" xmlns:r="http://schemas.openxmlformats.org/officeDocument/2006/relationships" xmlns:p="http://schemas.openxmlformats.org/presentationml/2006/main">
   <p:cSld>
     <p:spTree>
@@ -31775,7 +29509,7 @@
 </p:sld>
 </file>
 
-<file path=ppt/slides/slide38.xml><?xml version="1.0" encoding="utf-8"?>
+<file path=ppt/slides/slide37.xml><?xml version="1.0" encoding="utf-8"?>
 <p:sld xmlns:a="http://schemas.openxmlformats.org/drawingml/2006/main" xmlns:r="http://schemas.openxmlformats.org/officeDocument/2006/relationships" xmlns:p="http://schemas.openxmlformats.org/presentationml/2006/main">
   <p:cSld>
     <p:spTree>
@@ -36639,12 +34373,6 @@
 </file>
 
 <file path=customXml/item1.xml><?xml version="1.0" encoding="utf-8"?>
-<p:properties xmlns:p="http://schemas.microsoft.com/office/2006/metadata/properties" xmlns:xsi="http://www.w3.org/2001/XMLSchema-instance" xmlns:pc="http://schemas.microsoft.com/office/infopath/2007/PartnerControls">
-  <documentManagement/>
-</p:properties>
-</file>
-
-<file path=customXml/item2.xml><?xml version="1.0" encoding="utf-8"?>
 <?mso-contentType ?>
 <FormTemplates xmlns="http://schemas.microsoft.com/sharepoint/v3/contenttype/forms">
   <Display>DocumentLibraryForm</Display>
@@ -36653,7 +34381,7 @@
 </FormTemplates>
 </file>
 
-<file path=customXml/item3.xml><?xml version="1.0" encoding="utf-8"?>
+<file path=customXml/item2.xml><?xml version="1.0" encoding="utf-8"?>
 <ct:contentTypeSchema xmlns:ct="http://schemas.microsoft.com/office/2006/metadata/contentType" xmlns:ma="http://schemas.microsoft.com/office/2006/metadata/properties/metaAttributes" ct:_="" ma:_="" ma:contentTypeName="Dokument" ma:contentTypeID="0x010100E1D04352C426FF4EB98157414A31168F" ma:contentTypeVersion="7" ma:contentTypeDescription="Opprett et nytt dokument." ma:contentTypeScope="" ma:versionID="20db9d35da0c05db1956c992d0551881">
   <xsd:schema xmlns:xsd="http://www.w3.org/2001/XMLSchema" xmlns:xs="http://www.w3.org/2001/XMLSchema" xmlns:p="http://schemas.microsoft.com/office/2006/metadata/properties" xmlns:ns2="f712c1aa-8c16-4b02-b1f2-f7889ce7c2b4" xmlns:ns3="a7ea6e10-947a-4ba0-9b65-eec85fb93921" targetNamespace="http://schemas.microsoft.com/office/2006/metadata/properties" ma:root="true" ma:fieldsID="b450930e4a39e06bc530ce6d229e8283" ns2:_="" ns3:_="">
     <xsd:import namespace="f712c1aa-8c16-4b02-b1f2-f7889ce7c2b4"/>
@@ -36838,24 +34566,13 @@
 </ct:contentTypeSchema>
 </file>
 
-<file path=customXml/itemProps1.xml><?xml version="1.0" encoding="utf-8"?>
-<ds:datastoreItem xmlns:ds="http://schemas.openxmlformats.org/officeDocument/2006/customXml" ds:itemID="{D8F42302-2478-43BE-A981-AC65D73AB78A}">
-  <ds:schemaRefs>
-    <ds:schemaRef ds:uri="a876cf1c-3c61-42fd-8570-6f768b3b5f3d"/>
-    <ds:schemaRef ds:uri="http://purl.org/dc/terms/"/>
-    <ds:schemaRef ds:uri="http://schemas.microsoft.com/office/2006/documentManagement/types"/>
-    <ds:schemaRef ds:uri="http://purl.org/dc/elements/1.1/"/>
-    <ds:schemaRef ds:uri="http://purl.org/dc/dcmitype/"/>
-    <ds:schemaRef ds:uri="http://schemas.microsoft.com/office/infopath/2007/PartnerControls"/>
-    <ds:schemaRef ds:uri="http://www.w3.org/XML/1998/namespace"/>
-    <ds:schemaRef ds:uri="http://schemas.openxmlformats.org/package/2006/metadata/core-properties"/>
-    <ds:schemaRef ds:uri="ec7cace3-0133-4776-b16c-fc566e7bbdd4"/>
-    <ds:schemaRef ds:uri="http://schemas.microsoft.com/office/2006/metadata/properties"/>
-  </ds:schemaRefs>
-</ds:datastoreItem>
+<file path=customXml/item3.xml><?xml version="1.0" encoding="utf-8"?>
+<p:properties xmlns:p="http://schemas.microsoft.com/office/2006/metadata/properties" xmlns:xsi="http://www.w3.org/2001/XMLSchema-instance" xmlns:pc="http://schemas.microsoft.com/office/infopath/2007/PartnerControls">
+  <documentManagement/>
+</p:properties>
 </file>
 
-<file path=customXml/itemProps2.xml><?xml version="1.0" encoding="utf-8"?>
+<file path=customXml/itemProps1.xml><?xml version="1.0" encoding="utf-8"?>
 <ds:datastoreItem xmlns:ds="http://schemas.openxmlformats.org/officeDocument/2006/customXml" ds:itemID="{7DA7639B-4D2C-45CB-8EFB-A433F7CA227A}">
   <ds:schemaRefs>
     <ds:schemaRef ds:uri="http://schemas.microsoft.com/sharepoint/v3/contenttype/forms"/>
@@ -36863,7 +34580,7 @@
 </ds:datastoreItem>
 </file>
 
-<file path=customXml/itemProps3.xml><?xml version="1.0" encoding="utf-8"?>
+<file path=customXml/itemProps2.xml><?xml version="1.0" encoding="utf-8"?>
 <ds:datastoreItem xmlns:ds="http://schemas.openxmlformats.org/officeDocument/2006/customXml" ds:itemID="{D021CFB9-2885-470A-872C-A0107C3F177B}">
   <ds:schemaRefs>
     <ds:schemaRef ds:uri="http://schemas.microsoft.com/office/2006/metadata/contentType"/>
@@ -36880,4 +34597,21 @@
     <ds:schemaRef ds:uri="http://schemas.microsoft.com/internal/obd"/>
   </ds:schemaRefs>
 </ds:datastoreItem>
+</file>
+
+<file path=customXml/itemProps3.xml><?xml version="1.0" encoding="utf-8"?>
+<ds:datastoreItem xmlns:ds="http://schemas.openxmlformats.org/officeDocument/2006/customXml" ds:itemID="{D8F42302-2478-43BE-A981-AC65D73AB78A}">
+  <ds:schemaRefs>
+    <ds:schemaRef ds:uri="a876cf1c-3c61-42fd-8570-6f768b3b5f3d"/>
+    <ds:schemaRef ds:uri="http://purl.org/dc/terms/"/>
+    <ds:schemaRef ds:uri="http://schemas.microsoft.com/office/2006/documentManagement/types"/>
+    <ds:schemaRef ds:uri="http://purl.org/dc/elements/1.1/"/>
+    <ds:schemaRef ds:uri="http://purl.org/dc/dcmitype/"/>
+    <ds:schemaRef ds:uri="http://schemas.microsoft.com/office/infopath/2007/PartnerControls"/>
+    <ds:schemaRef ds:uri="http://www.w3.org/XML/1998/namespace"/>
+    <ds:schemaRef ds:uri="http://schemas.openxmlformats.org/package/2006/metadata/core-properties"/>
+    <ds:schemaRef ds:uri="ec7cace3-0133-4776-b16c-fc566e7bbdd4"/>
+    <ds:schemaRef ds:uri="http://schemas.microsoft.com/office/2006/metadata/properties"/>
+  </ds:schemaRefs>
+</ds:datastoreItem>
 </file>